--- a/Doraemon_Hub_Adv/Doraemon_Explorer_Hub2.pptx
+++ b/Doraemon_Hub_Adv/Doraemon_Explorer_Hub2.pptx
@@ -5,21 +5,18 @@
     <p:sldMasterId id="2147483773" r:id="rId1"/>
   </p:sldMasterIdLst>
   <p:notesMasterIdLst>
-    <p:notesMasterId r:id="rId14"/>
+    <p:notesMasterId r:id="rId11"/>
   </p:notesMasterIdLst>
   <p:sldIdLst>
-    <p:sldId id="256" r:id="rId2"/>
-    <p:sldId id="257" r:id="rId3"/>
-    <p:sldId id="259" r:id="rId4"/>
-    <p:sldId id="260" r:id="rId5"/>
-    <p:sldId id="269" r:id="rId6"/>
-    <p:sldId id="261" r:id="rId7"/>
-    <p:sldId id="266" r:id="rId8"/>
-    <p:sldId id="268" r:id="rId9"/>
-    <p:sldId id="262" r:id="rId10"/>
-    <p:sldId id="263" r:id="rId11"/>
-    <p:sldId id="264" r:id="rId12"/>
-    <p:sldId id="265" r:id="rId13"/>
+    <p:sldId id="257" r:id="rId2"/>
+    <p:sldId id="259" r:id="rId3"/>
+    <p:sldId id="260" r:id="rId4"/>
+    <p:sldId id="261" r:id="rId5"/>
+    <p:sldId id="266" r:id="rId6"/>
+    <p:sldId id="268" r:id="rId7"/>
+    <p:sldId id="262" r:id="rId8"/>
+    <p:sldId id="269" r:id="rId9"/>
+    <p:sldId id="263" r:id="rId10"/>
   </p:sldIdLst>
   <p:sldSz cx="12192000" cy="6858000"/>
   <p:notesSz cx="6858000" cy="9144000"/>
@@ -1750,8 +1747,8 @@
         <a:lstStyle/>
         <a:p>
           <a:r>
-            <a:rPr lang="en-US"/>
-            <a:t>Characters Components: </a:t>
+            <a:rPr lang="en-US" dirty="0"/>
+            <a:t>Characters Component </a:t>
           </a:r>
         </a:p>
       </dgm:t>
@@ -1786,8 +1783,8 @@
         <a:lstStyle/>
         <a:p>
           <a:r>
-            <a:rPr lang="en-US"/>
-            <a:t>Characters Details Components</a:t>
+            <a:rPr lang="en-US" dirty="0"/>
+            <a:t>Characters Details Component</a:t>
           </a:r>
         </a:p>
       </dgm:t>
@@ -1822,8 +1819,8 @@
         <a:lstStyle/>
         <a:p>
           <a:r>
-            <a:rPr lang="en-US"/>
-            <a:t>Gadgets Components</a:t>
+            <a:rPr lang="en-US" dirty="0"/>
+            <a:t>Gadgets Component</a:t>
           </a:r>
         </a:p>
       </dgm:t>
@@ -1894,8 +1891,8 @@
         <a:lstStyle/>
         <a:p>
           <a:r>
-            <a:rPr lang="en-US"/>
-            <a:t>Gallery Components</a:t>
+            <a:rPr lang="en-US" dirty="0"/>
+            <a:t>Gallery Component</a:t>
           </a:r>
         </a:p>
       </dgm:t>
@@ -2111,10 +2108,10 @@
         <a:lstStyle/>
         <a:p>
           <a:r>
-            <a:rPr lang="en-IN"/>
-            <a:t>Http client</a:t>
+            <a:rPr lang="en-IN" dirty="0"/>
+            <a:t>Http Client</a:t>
           </a:r>
-          <a:endParaRPr lang="en-US"/>
+          <a:endParaRPr lang="en-US" dirty="0"/>
         </a:p>
       </dgm:t>
     </dgm:pt>
@@ -2149,11 +2146,7 @@
         <a:p>
           <a:r>
             <a:rPr lang="en-IN" dirty="0"/>
-            <a:t>Web </a:t>
-          </a:r>
-          <a:r>
-            <a:rPr lang="en-IN" dirty="0" err="1"/>
-            <a:t>api</a:t>
+            <a:t>Web API</a:t>
           </a:r>
           <a:endParaRPr lang="en-US" dirty="0"/>
         </a:p>
@@ -3051,8 +3044,8 @@
             <a:buNone/>
           </a:pPr>
           <a:r>
-            <a:rPr lang="en-US" sz="2000" kern="1200"/>
-            <a:t>Characters Components: </a:t>
+            <a:rPr lang="en-US" sz="2000" kern="1200" dirty="0"/>
+            <a:t>Characters Component </a:t>
           </a:r>
         </a:p>
       </dsp:txBody>
@@ -3129,8 +3122,8 @@
             <a:buNone/>
           </a:pPr>
           <a:r>
-            <a:rPr lang="en-US" sz="2000" kern="1200"/>
-            <a:t>Characters Details Components</a:t>
+            <a:rPr lang="en-US" sz="2000" kern="1200" dirty="0"/>
+            <a:t>Characters Details Component</a:t>
           </a:r>
         </a:p>
       </dsp:txBody>
@@ -3207,8 +3200,8 @@
             <a:buNone/>
           </a:pPr>
           <a:r>
-            <a:rPr lang="en-US" sz="2000" kern="1200"/>
-            <a:t>Gadgets Components</a:t>
+            <a:rPr lang="en-US" sz="2000" kern="1200" dirty="0"/>
+            <a:t>Gadgets Component</a:t>
           </a:r>
         </a:p>
       </dsp:txBody>
@@ -3363,8 +3356,8 @@
             <a:buNone/>
           </a:pPr>
           <a:r>
-            <a:rPr lang="en-US" sz="2000" kern="1200"/>
-            <a:t>Gallery Components</a:t>
+            <a:rPr lang="en-US" sz="2000" kern="1200" dirty="0"/>
+            <a:t>Gallery Component</a:t>
           </a:r>
         </a:p>
       </dsp:txBody>
@@ -3832,10 +3825,10 @@
             <a:buNone/>
           </a:pPr>
           <a:r>
-            <a:rPr lang="en-IN" sz="2000" kern="1200"/>
-            <a:t>Http client</a:t>
+            <a:rPr lang="en-IN" sz="2000" kern="1200" dirty="0"/>
+            <a:t>Http Client</a:t>
           </a:r>
-          <a:endParaRPr lang="en-US" sz="2000" kern="1200"/>
+          <a:endParaRPr lang="en-US" sz="2000" kern="1200" dirty="0"/>
         </a:p>
       </dsp:txBody>
       <dsp:txXfrm>
@@ -3912,11 +3905,7 @@
           </a:pPr>
           <a:r>
             <a:rPr lang="en-IN" sz="2000" kern="1200" dirty="0"/>
-            <a:t>Web </a:t>
-          </a:r>
-          <a:r>
-            <a:rPr lang="en-IN" sz="2000" kern="1200" dirty="0" err="1"/>
-            <a:t>api</a:t>
+            <a:t>Web API</a:t>
           </a:r>
           <a:endParaRPr lang="en-US" sz="2000" kern="1200" dirty="0"/>
         </a:p>
@@ -7475,7 +7464,7 @@
           <a:p>
             <a:fld id="{ACB2F605-D547-40A8-86DD-B5EAA18817E3}" type="slidenum">
               <a:rPr lang="en-IN" smtClean="0"/>
-              <a:t>3</a:t>
+              <a:t>2</a:t>
             </a:fld>
             <a:endParaRPr lang="en-IN"/>
           </a:p>
@@ -7559,7 +7548,7 @@
           <a:p>
             <a:fld id="{ACB2F605-D547-40A8-86DD-B5EAA18817E3}" type="slidenum">
               <a:rPr lang="en-IN" smtClean="0"/>
-              <a:t>4</a:t>
+              <a:t>3</a:t>
             </a:fld>
             <a:endParaRPr lang="en-IN"/>
           </a:p>
@@ -7643,7 +7632,7 @@
           <a:p>
             <a:fld id="{ACB2F605-D547-40A8-86DD-B5EAA18817E3}" type="slidenum">
               <a:rPr lang="en-IN" smtClean="0"/>
-              <a:t>5</a:t>
+              <a:t>8</a:t>
             </a:fld>
             <a:endParaRPr lang="en-IN"/>
           </a:p>
@@ -11092,1120 +11081,6 @@
       </p:grpSpPr>
       <p:sp useBgFill="1">
         <p:nvSpPr>
-          <p:cNvPr id="59" name="Rectangle 58">
-            <a:extLst>
-              <a:ext uri="{FF2B5EF4-FFF2-40B4-BE49-F238E27FC236}">
-                <a16:creationId xmlns:a16="http://schemas.microsoft.com/office/drawing/2014/main" id="{2D924463-4DB7-437D-85B1-7EE5042DE522}"/>
-              </a:ext>
-              <a:ext uri="{C183D7F6-B498-43B3-948B-1728B52AA6E4}">
-                <adec:decorative xmlns:adec="http://schemas.microsoft.com/office/drawing/2017/decorative" val="1"/>
-              </a:ext>
-            </a:extLst>
-          </p:cNvPr>
-          <p:cNvSpPr>
-            <a:spLocks noGrp="1" noRot="1" noChangeAspect="1" noMove="1" noResize="1" noEditPoints="1" noAdjustHandles="1" noChangeArrowheads="1" noChangeShapeType="1" noTextEdit="1"/>
-          </p:cNvSpPr>
-          <p:nvPr>
-            <p:extLst>
-              <p:ext uri="{386F3935-93C4-4BCD-93E2-E3B085C9AB24}">
-                <p16:designElem xmlns:p16="http://schemas.microsoft.com/office/powerpoint/2015/main" val="1"/>
-              </p:ext>
-            </p:extLst>
-          </p:nvPr>
-        </p:nvSpPr>
-        <p:spPr>
-          <a:xfrm>
-            <a:off x="0" y="0"/>
-            <a:ext cx="12192000" cy="6858000"/>
-          </a:xfrm>
-          <a:prstGeom prst="rect">
-            <a:avLst/>
-          </a:prstGeom>
-          <a:ln>
-            <a:noFill/>
-          </a:ln>
-        </p:spPr>
-        <p:style>
-          <a:lnRef idx="2">
-            <a:schemeClr val="accent1">
-              <a:shade val="50000"/>
-            </a:schemeClr>
-          </a:lnRef>
-          <a:fillRef idx="1">
-            <a:schemeClr val="accent1"/>
-          </a:fillRef>
-          <a:effectRef idx="0">
-            <a:schemeClr val="accent1"/>
-          </a:effectRef>
-          <a:fontRef idx="minor">
-            <a:schemeClr val="lt1"/>
-          </a:fontRef>
-        </p:style>
-        <p:txBody>
-          <a:bodyPr rtlCol="0" anchor="ctr"/>
-          <a:lstStyle/>
-          <a:p>
-            <a:pPr algn="ctr"/>
-            <a:endParaRPr lang="en-US" dirty="0">
-              <a:solidFill>
-                <a:schemeClr val="tx1">
-                  <a:lumMod val="65000"/>
-                  <a:lumOff val="35000"/>
-                </a:schemeClr>
-              </a:solidFill>
-              <a:latin typeface="AvenirNext LT Pro Medium" panose="020B0504020202020204" pitchFamily="34" charset="0"/>
-            </a:endParaRPr>
-          </a:p>
-        </p:txBody>
-      </p:sp>
-      <p:sp>
-        <p:nvSpPr>
-          <p:cNvPr id="60" name="Rectangle 59">
-            <a:extLst>
-              <a:ext uri="{FF2B5EF4-FFF2-40B4-BE49-F238E27FC236}">
-                <a16:creationId xmlns:a16="http://schemas.microsoft.com/office/drawing/2014/main" id="{9F108545-2EA9-4B3E-915B-295949608005}"/>
-              </a:ext>
-              <a:ext uri="{C183D7F6-B498-43B3-948B-1728B52AA6E4}">
-                <adec:decorative xmlns:adec="http://schemas.microsoft.com/office/drawing/2017/decorative" val="1"/>
-              </a:ext>
-            </a:extLst>
-          </p:cNvPr>
-          <p:cNvSpPr>
-            <a:spLocks noGrp="1" noRot="1" noChangeAspect="1" noMove="1" noResize="1" noEditPoints="1" noAdjustHandles="1" noChangeArrowheads="1" noChangeShapeType="1" noTextEdit="1"/>
-          </p:cNvSpPr>
-          <p:nvPr>
-            <p:extLst>
-              <p:ext uri="{386F3935-93C4-4BCD-93E2-E3B085C9AB24}">
-                <p16:designElem xmlns:p16="http://schemas.microsoft.com/office/powerpoint/2015/main" val="1"/>
-              </p:ext>
-            </p:extLst>
-          </p:nvPr>
-        </p:nvSpPr>
-        <p:spPr>
-          <a:xfrm>
-            <a:off x="3048" y="0"/>
-            <a:ext cx="12188952" cy="6858000"/>
-          </a:xfrm>
-          <a:prstGeom prst="rect">
-            <a:avLst/>
-          </a:prstGeom>
-          <a:solidFill>
-            <a:schemeClr val="bg2">
-              <a:lumMod val="90000"/>
-              <a:alpha val="70000"/>
-            </a:schemeClr>
-          </a:solidFill>
-          <a:ln>
-            <a:noFill/>
-          </a:ln>
-        </p:spPr>
-        <p:style>
-          <a:lnRef idx="2">
-            <a:schemeClr val="accent1">
-              <a:shade val="50000"/>
-            </a:schemeClr>
-          </a:lnRef>
-          <a:fillRef idx="1">
-            <a:schemeClr val="accent1"/>
-          </a:fillRef>
-          <a:effectRef idx="0">
-            <a:schemeClr val="accent1"/>
-          </a:effectRef>
-          <a:fontRef idx="minor">
-            <a:schemeClr val="lt1"/>
-          </a:fontRef>
-        </p:style>
-        <p:txBody>
-          <a:bodyPr rtlCol="0" anchor="ctr"/>
-          <a:lstStyle/>
-          <a:p>
-            <a:pPr algn="ctr"/>
-            <a:endParaRPr lang="en-US">
-              <a:solidFill>
-                <a:schemeClr val="tx1">
-                  <a:lumMod val="65000"/>
-                  <a:lumOff val="35000"/>
-                </a:schemeClr>
-              </a:solidFill>
-              <a:latin typeface="AvenirNext LT Pro Medium" panose="020B0504020202020204" pitchFamily="34" charset="0"/>
-            </a:endParaRPr>
-          </a:p>
-        </p:txBody>
-      </p:sp>
-      <p:grpSp>
-        <p:nvGrpSpPr>
-          <p:cNvPr id="61" name="Group 60">
-            <a:extLst>
-              <a:ext uri="{FF2B5EF4-FFF2-40B4-BE49-F238E27FC236}">
-                <a16:creationId xmlns:a16="http://schemas.microsoft.com/office/drawing/2014/main" id="{E014A1C6-ABE4-4764-8CAC-9D4DFBED38BB}"/>
-              </a:ext>
-              <a:ext uri="{C183D7F6-B498-43B3-948B-1728B52AA6E4}">
-                <adec:decorative xmlns:adec="http://schemas.microsoft.com/office/drawing/2017/decorative" val="1"/>
-              </a:ext>
-            </a:extLst>
-          </p:cNvPr>
-          <p:cNvGrpSpPr>
-            <a:grpSpLocks noGrp="1" noUngrp="1" noRot="1" noChangeAspect="1" noMove="1" noResize="1"/>
-          </p:cNvGrpSpPr>
-          <p:nvPr>
-            <p:extLst>
-              <p:ext uri="{386F3935-93C4-4BCD-93E2-E3B085C9AB24}">
-                <p16:designElem xmlns:p16="http://schemas.microsoft.com/office/powerpoint/2015/main" val="1"/>
-              </p:ext>
-            </p:extLst>
-          </p:nvPr>
-        </p:nvGrpSpPr>
-        <p:grpSpPr>
-          <a:xfrm flipV="1">
-            <a:off x="3048" y="1"/>
-            <a:ext cx="5236971" cy="6858000"/>
-            <a:chOff x="20829" y="1"/>
-            <a:chExt cx="5236971" cy="6857999"/>
-          </a:xfrm>
-        </p:grpSpPr>
-        <p:pic>
-          <p:nvPicPr>
-            <p:cNvPr id="56" name="Picture 55">
-              <a:extLst>
-                <a:ext uri="{FF2B5EF4-FFF2-40B4-BE49-F238E27FC236}">
-                  <a16:creationId xmlns:a16="http://schemas.microsoft.com/office/drawing/2014/main" id="{F41F3FA7-366E-43EA-A45E-F80A71356F43}"/>
-                </a:ext>
-                <a:ext uri="{C183D7F6-B498-43B3-948B-1728B52AA6E4}">
-                  <adec:decorative xmlns:adec="http://schemas.microsoft.com/office/drawing/2017/decorative" val="1"/>
-                </a:ext>
-              </a:extLst>
-            </p:cNvPr>
-            <p:cNvPicPr>
-              <a:picLocks noChangeAspect="1"/>
-            </p:cNvPicPr>
-            <p:nvPr>
-              <p:extLst>
-                <p:ext uri="{386F3935-93C4-4BCD-93E2-E3B085C9AB24}">
-                  <p16:designElem xmlns:p16="http://schemas.microsoft.com/office/powerpoint/2015/main" val="1"/>
-                </p:ext>
-              </p:extLst>
-            </p:nvPr>
-          </p:nvPicPr>
-          <p:blipFill>
-            <a:blip r:embed="rId2">
-              <a:duotone>
-                <a:schemeClr val="accent6">
-                  <a:shade val="45000"/>
-                  <a:satMod val="135000"/>
-                </a:schemeClr>
-                <a:prstClr val="white"/>
-              </a:duotone>
-              <a:alphaModFix amt="10000"/>
-              <a:extLst>
-                <a:ext uri="{28A0092B-C50C-407E-A947-70E740481C1C}">
-                  <a14:useLocalDpi xmlns:a14="http://schemas.microsoft.com/office/drawing/2010/main" val="0"/>
-                </a:ext>
-              </a:extLst>
-            </a:blip>
-            <a:stretch>
-              <a:fillRect/>
-            </a:stretch>
-          </p:blipFill>
-          <p:spPr>
-            <a:xfrm>
-              <a:off x="20829" y="692703"/>
-              <a:ext cx="5236971" cy="6165297"/>
-            </a:xfrm>
-            <a:prstGeom prst="rect">
-              <a:avLst/>
-            </a:prstGeom>
-          </p:spPr>
-        </p:pic>
-        <p:pic>
-          <p:nvPicPr>
-            <p:cNvPr id="57" name="Picture 56">
-              <a:extLst>
-                <a:ext uri="{FF2B5EF4-FFF2-40B4-BE49-F238E27FC236}">
-                  <a16:creationId xmlns:a16="http://schemas.microsoft.com/office/drawing/2014/main" id="{9205DBCF-C4CF-4848-8BDD-A6EB0CF6E080}"/>
-                </a:ext>
-                <a:ext uri="{C183D7F6-B498-43B3-948B-1728B52AA6E4}">
-                  <adec:decorative xmlns:adec="http://schemas.microsoft.com/office/drawing/2017/decorative" val="1"/>
-                </a:ext>
-              </a:extLst>
-            </p:cNvPr>
-            <p:cNvPicPr>
-              <a:picLocks noChangeAspect="1"/>
-            </p:cNvPicPr>
-            <p:nvPr>
-              <p:extLst>
-                <p:ext uri="{386F3935-93C4-4BCD-93E2-E3B085C9AB24}">
-                  <p16:designElem xmlns:p16="http://schemas.microsoft.com/office/powerpoint/2015/main" val="1"/>
-                </p:ext>
-              </p:extLst>
-            </p:nvPr>
-          </p:nvPicPr>
-          <p:blipFill rotWithShape="1">
-            <a:blip r:embed="rId2">
-              <a:duotone>
-                <a:schemeClr val="accent6">
-                  <a:shade val="45000"/>
-                  <a:satMod val="135000"/>
-                </a:schemeClr>
-                <a:prstClr val="white"/>
-              </a:duotone>
-              <a:alphaModFix amt="10000"/>
-              <a:extLst>
-                <a:ext uri="{28A0092B-C50C-407E-A947-70E740481C1C}">
-                  <a14:useLocalDpi xmlns:a14="http://schemas.microsoft.com/office/drawing/2010/main" val="0"/>
-                </a:ext>
-              </a:extLst>
-            </a:blip>
-            <a:srcRect l="19154" b="19117"/>
-            <a:stretch/>
-          </p:blipFill>
-          <p:spPr>
-            <a:xfrm rot="5400000">
-              <a:off x="393956" y="-373126"/>
-              <a:ext cx="4197222" cy="4943475"/>
-            </a:xfrm>
-            <a:prstGeom prst="rect">
-              <a:avLst/>
-            </a:prstGeom>
-          </p:spPr>
-        </p:pic>
-      </p:grpSp>
-      <p:sp>
-        <p:nvSpPr>
-          <p:cNvPr id="2" name="Title 1">
-            <a:extLst>
-              <a:ext uri="{FF2B5EF4-FFF2-40B4-BE49-F238E27FC236}">
-                <a16:creationId xmlns:a16="http://schemas.microsoft.com/office/drawing/2014/main" id="{D981B389-3D88-D9FE-34B2-FA3F6B4A64B7}"/>
-              </a:ext>
-            </a:extLst>
-          </p:cNvPr>
-          <p:cNvSpPr>
-            <a:spLocks noGrp="1"/>
-          </p:cNvSpPr>
-          <p:nvPr>
-            <p:ph type="ctrTitle"/>
-          </p:nvPr>
-        </p:nvSpPr>
-        <p:spPr>
-          <a:xfrm>
-            <a:off x="4495799" y="744909"/>
-            <a:ext cx="6858000" cy="3155419"/>
-          </a:xfrm>
-        </p:spPr>
-        <p:txBody>
-          <a:bodyPr anchor="b">
-            <a:normAutofit/>
-          </a:bodyPr>
-          <a:lstStyle/>
-          <a:p>
-            <a:pPr algn="l"/>
-            <a:r>
-              <a:rPr lang="en-US"/>
-              <a:t>Doraemon_Explorer_Hub</a:t>
-            </a:r>
-            <a:br>
-              <a:rPr lang="en-US"/>
-            </a:br>
-            <a:r>
-              <a:rPr lang="en-US"/>
-              <a:t>Phase-2</a:t>
-            </a:r>
-            <a:endParaRPr lang="en-IN"/>
-          </a:p>
-        </p:txBody>
-      </p:sp>
-      <p:sp>
-        <p:nvSpPr>
-          <p:cNvPr id="3" name="Subtitle 2">
-            <a:extLst>
-              <a:ext uri="{FF2B5EF4-FFF2-40B4-BE49-F238E27FC236}">
-                <a16:creationId xmlns:a16="http://schemas.microsoft.com/office/drawing/2014/main" id="{66283A18-7252-B35E-E25D-08C56625D6D0}"/>
-              </a:ext>
-            </a:extLst>
-          </p:cNvPr>
-          <p:cNvSpPr>
-            <a:spLocks noGrp="1"/>
-          </p:cNvSpPr>
-          <p:nvPr>
-            <p:ph type="subTitle" idx="1"/>
-          </p:nvPr>
-        </p:nvSpPr>
-        <p:spPr>
-          <a:xfrm>
-            <a:off x="4495799" y="4074784"/>
-            <a:ext cx="6857999" cy="2054306"/>
-          </a:xfrm>
-        </p:spPr>
-        <p:txBody>
-          <a:bodyPr anchor="t">
-            <a:normAutofit/>
-          </a:bodyPr>
-          <a:lstStyle/>
-          <a:p>
-            <a:pPr algn="l"/>
-            <a:r>
-              <a:rPr lang="en-US" sz="2200" dirty="0"/>
-              <a:t>By-Nitanshi Agarwal</a:t>
-            </a:r>
-            <a:endParaRPr lang="en-IN" sz="2200" dirty="0"/>
-          </a:p>
-        </p:txBody>
-      </p:sp>
-    </p:spTree>
-    <p:extLst>
-      <p:ext uri="{BB962C8B-B14F-4D97-AF65-F5344CB8AC3E}">
-        <p14:creationId xmlns:p14="http://schemas.microsoft.com/office/powerpoint/2010/main" val="80541116"/>
-      </p:ext>
-    </p:extLst>
-  </p:cSld>
-  <p:clrMapOvr>
-    <a:masterClrMapping/>
-  </p:clrMapOvr>
-  <p:timing>
-    <p:tnLst>
-      <p:par>
-        <p:cTn id="1" dur="indefinite" restart="never" nodeType="tmRoot">
-          <p:childTnLst>
-            <p:seq concurrent="1" nextAc="seek">
-              <p:cTn id="2" dur="indefinite" nodeType="mainSeq">
-                <p:childTnLst>
-                  <p:par>
-                    <p:cTn id="3" fill="hold">
-                      <p:stCondLst>
-                        <p:cond delay="indefinite"/>
-                        <p:cond evt="onBegin" delay="0">
-                          <p:tn val="2"/>
-                        </p:cond>
-                      </p:stCondLst>
-                      <p:childTnLst>
-                        <p:par>
-                          <p:cTn id="4" fill="hold">
-                            <p:stCondLst>
-                              <p:cond delay="0"/>
-                            </p:stCondLst>
-                            <p:childTnLst>
-                              <p:par>
-                                <p:cTn id="5" presetID="10" presetClass="entr" presetSubtype="0" fill="hold" grpId="0" nodeType="withEffect">
-                                  <p:stCondLst>
-                                    <p:cond delay="1000"/>
-                                  </p:stCondLst>
-                                  <p:iterate type="lt">
-                                    <p:tmPct val="10000"/>
-                                  </p:iterate>
-                                  <p:childTnLst>
-                                    <p:set>
-                                      <p:cBhvr>
-                                        <p:cTn id="6" dur="1" fill="hold">
-                                          <p:stCondLst>
-                                            <p:cond delay="0"/>
-                                          </p:stCondLst>
-                                        </p:cTn>
-                                        <p:tgtEl>
-                                          <p:spTgt spid="2"/>
-                                        </p:tgtEl>
-                                        <p:attrNameLst>
-                                          <p:attrName>style.visibility</p:attrName>
-                                        </p:attrNameLst>
-                                      </p:cBhvr>
-                                      <p:to>
-                                        <p:strVal val="visible"/>
-                                      </p:to>
-                                    </p:set>
-                                    <p:animEffect transition="in" filter="fade">
-                                      <p:cBhvr>
-                                        <p:cTn id="7" dur="400"/>
-                                        <p:tgtEl>
-                                          <p:spTgt spid="2"/>
-                                        </p:tgtEl>
-                                      </p:cBhvr>
-                                    </p:animEffect>
-                                  </p:childTnLst>
-                                </p:cTn>
-                              </p:par>
-                            </p:childTnLst>
-                          </p:cTn>
-                        </p:par>
-                      </p:childTnLst>
-                    </p:cTn>
-                  </p:par>
-                </p:childTnLst>
-              </p:cTn>
-              <p:prevCondLst>
-                <p:cond evt="onPrev" delay="0">
-                  <p:tgtEl>
-                    <p:sldTgt/>
-                  </p:tgtEl>
-                </p:cond>
-              </p:prevCondLst>
-              <p:nextCondLst>
-                <p:cond evt="onNext" delay="0">
-                  <p:tgtEl>
-                    <p:sldTgt/>
-                  </p:tgtEl>
-                </p:cond>
-              </p:nextCondLst>
-            </p:seq>
-          </p:childTnLst>
-        </p:cTn>
-      </p:par>
-    </p:tnLst>
-    <p:bldLst>
-      <p:bldP spid="2" grpId="0"/>
-    </p:bldLst>
-  </p:timing>
-</p:sld>
-</file>
-
-<file path=ppt/slides/slide10.xml><?xml version="1.0" encoding="utf-8"?>
-<p:sld xmlns:a="http://schemas.openxmlformats.org/drawingml/2006/main" xmlns:r="http://schemas.openxmlformats.org/officeDocument/2006/relationships" xmlns:p="http://schemas.openxmlformats.org/presentationml/2006/main">
-  <p:cSld>
-    <p:bg>
-      <p:bgPr>
-        <a:solidFill>
-          <a:schemeClr val="bg1"/>
-        </a:solidFill>
-        <a:effectLst/>
-      </p:bgPr>
-    </p:bg>
-    <p:spTree>
-      <p:nvGrpSpPr>
-        <p:cNvPr id="1" name=""/>
-        <p:cNvGrpSpPr/>
-        <p:nvPr/>
-      </p:nvGrpSpPr>
-      <p:grpSpPr>
-        <a:xfrm>
-          <a:off x="0" y="0"/>
-          <a:ext cx="0" cy="0"/>
-          <a:chOff x="0" y="0"/>
-          <a:chExt cx="0" cy="0"/>
-        </a:xfrm>
-      </p:grpSpPr>
-      <p:sp>
-        <p:nvSpPr>
-          <p:cNvPr id="7" name="Rectangle 6">
-            <a:extLst>
-              <a:ext uri="{FF2B5EF4-FFF2-40B4-BE49-F238E27FC236}">
-                <a16:creationId xmlns:a16="http://schemas.microsoft.com/office/drawing/2014/main" id="{0BABF38A-8A0D-492E-BD20-6CF4D46B50BD}"/>
-              </a:ext>
-              <a:ext uri="{C183D7F6-B498-43B3-948B-1728B52AA6E4}">
-                <adec:decorative xmlns:adec="http://schemas.microsoft.com/office/drawing/2017/decorative" val="1"/>
-              </a:ext>
-            </a:extLst>
-          </p:cNvPr>
-          <p:cNvSpPr>
-            <a:spLocks noGrp="1" noRot="1" noChangeAspect="1" noMove="1" noResize="1" noEditPoints="1" noAdjustHandles="1" noChangeArrowheads="1" noChangeShapeType="1" noTextEdit="1"/>
-          </p:cNvSpPr>
-          <p:nvPr>
-            <p:extLst>
-              <p:ext uri="{386F3935-93C4-4BCD-93E2-E3B085C9AB24}">
-                <p16:designElem xmlns:p16="http://schemas.microsoft.com/office/powerpoint/2015/main" val="1"/>
-              </p:ext>
-            </p:extLst>
-          </p:nvPr>
-        </p:nvSpPr>
-        <p:spPr>
-          <a:xfrm>
-            <a:off x="0" y="0"/>
-            <a:ext cx="12192000" cy="6858004"/>
-          </a:xfrm>
-          <a:prstGeom prst="rect">
-            <a:avLst/>
-          </a:prstGeom>
-          <a:solidFill>
-            <a:schemeClr val="bg2">
-              <a:lumMod val="90000"/>
-              <a:alpha val="70000"/>
-            </a:schemeClr>
-          </a:solidFill>
-          <a:ln>
-            <a:noFill/>
-          </a:ln>
-        </p:spPr>
-        <p:style>
-          <a:lnRef idx="2">
-            <a:schemeClr val="accent1">
-              <a:shade val="50000"/>
-            </a:schemeClr>
-          </a:lnRef>
-          <a:fillRef idx="1">
-            <a:schemeClr val="accent1"/>
-          </a:fillRef>
-          <a:effectRef idx="0">
-            <a:schemeClr val="accent1"/>
-          </a:effectRef>
-          <a:fontRef idx="minor">
-            <a:schemeClr val="lt1"/>
-          </a:fontRef>
-        </p:style>
-        <p:txBody>
-          <a:bodyPr rtlCol="0" anchor="ctr"/>
-          <a:lstStyle/>
-          <a:p>
-            <a:pPr algn="ctr"/>
-            <a:endParaRPr lang="en-US" dirty="0">
-              <a:solidFill>
-                <a:schemeClr val="tx1">
-                  <a:lumMod val="65000"/>
-                  <a:lumOff val="35000"/>
-                </a:schemeClr>
-              </a:solidFill>
-              <a:latin typeface="AvenirNext LT Pro Medium" panose="020B0504020202020204" pitchFamily="34" charset="0"/>
-            </a:endParaRPr>
-          </a:p>
-        </p:txBody>
-      </p:sp>
-      <p:pic>
-        <p:nvPicPr>
-          <p:cNvPr id="9" name="Picture 8">
-            <a:extLst>
-              <a:ext uri="{FF2B5EF4-FFF2-40B4-BE49-F238E27FC236}">
-                <a16:creationId xmlns:a16="http://schemas.microsoft.com/office/drawing/2014/main" id="{BC526B7A-4801-4FD1-95C8-03AF22629E87}"/>
-              </a:ext>
-              <a:ext uri="{C183D7F6-B498-43B3-948B-1728B52AA6E4}">
-                <adec:decorative xmlns:adec="http://schemas.microsoft.com/office/drawing/2017/decorative" val="1"/>
-              </a:ext>
-            </a:extLst>
-          </p:cNvPr>
-          <p:cNvPicPr>
-            <a:picLocks noGrp="1" noRot="1" noChangeAspect="1" noMove="1" noResize="1" noEditPoints="1" noAdjustHandles="1" noChangeArrowheads="1" noChangeShapeType="1" noCrop="1"/>
-          </p:cNvPicPr>
-          <p:nvPr>
-            <p:extLst>
-              <p:ext uri="{386F3935-93C4-4BCD-93E2-E3B085C9AB24}">
-                <p16:designElem xmlns:p16="http://schemas.microsoft.com/office/powerpoint/2015/main" val="1"/>
-              </p:ext>
-            </p:extLst>
-          </p:nvPr>
-        </p:nvPicPr>
-        <p:blipFill>
-          <a:blip r:embed="rId2">
-            <a:alphaModFix amt="10000"/>
-            <a:extLst>
-              <a:ext uri="{28A0092B-C50C-407E-A947-70E740481C1C}">
-                <a14:useLocalDpi xmlns:a14="http://schemas.microsoft.com/office/drawing/2010/main" val="0"/>
-              </a:ext>
-            </a:extLst>
-          </a:blip>
-          <a:stretch>
-            <a:fillRect/>
-          </a:stretch>
-        </p:blipFill>
-        <p:spPr>
-          <a:xfrm>
-            <a:off x="8534400" y="0"/>
-            <a:ext cx="3654612" cy="4575348"/>
-          </a:xfrm>
-          <a:prstGeom prst="rect">
-            <a:avLst/>
-          </a:prstGeom>
-        </p:spPr>
-      </p:pic>
-      <p:sp useBgFill="1">
-        <p:nvSpPr>
-          <p:cNvPr id="11" name="Rectangle 10">
-            <a:extLst>
-              <a:ext uri="{FF2B5EF4-FFF2-40B4-BE49-F238E27FC236}">
-                <a16:creationId xmlns:a16="http://schemas.microsoft.com/office/drawing/2014/main" id="{4E7CE7A7-0AFD-439B-9765-E708254D9D2D}"/>
-              </a:ext>
-              <a:ext uri="{C183D7F6-B498-43B3-948B-1728B52AA6E4}">
-                <adec:decorative xmlns:adec="http://schemas.microsoft.com/office/drawing/2017/decorative" val="1"/>
-              </a:ext>
-            </a:extLst>
-          </p:cNvPr>
-          <p:cNvSpPr>
-            <a:spLocks noGrp="1" noRot="1" noChangeAspect="1" noMove="1" noResize="1" noEditPoints="1" noAdjustHandles="1" noChangeArrowheads="1" noChangeShapeType="1" noTextEdit="1"/>
-          </p:cNvSpPr>
-          <p:nvPr>
-            <p:extLst>
-              <p:ext uri="{386F3935-93C4-4BCD-93E2-E3B085C9AB24}">
-                <p16:designElem xmlns:p16="http://schemas.microsoft.com/office/powerpoint/2015/main" val="1"/>
-              </p:ext>
-            </p:extLst>
-          </p:nvPr>
-        </p:nvSpPr>
-        <p:spPr>
-          <a:xfrm>
-            <a:off x="0" y="0"/>
-            <a:ext cx="12188952" cy="6858000"/>
-          </a:xfrm>
-          <a:prstGeom prst="rect">
-            <a:avLst/>
-          </a:prstGeom>
-          <a:ln>
-            <a:noFill/>
-          </a:ln>
-        </p:spPr>
-        <p:style>
-          <a:lnRef idx="2">
-            <a:schemeClr val="accent1">
-              <a:shade val="50000"/>
-            </a:schemeClr>
-          </a:lnRef>
-          <a:fillRef idx="1">
-            <a:schemeClr val="accent1"/>
-          </a:fillRef>
-          <a:effectRef idx="0">
-            <a:schemeClr val="accent1"/>
-          </a:effectRef>
-          <a:fontRef idx="minor">
-            <a:schemeClr val="lt1"/>
-          </a:fontRef>
-        </p:style>
-        <p:txBody>
-          <a:bodyPr rtlCol="0" anchor="ctr"/>
-          <a:lstStyle/>
-          <a:p>
-            <a:pPr algn="ctr"/>
-            <a:endParaRPr lang="en-US" dirty="0">
-              <a:solidFill>
-                <a:schemeClr val="tx1">
-                  <a:lumMod val="65000"/>
-                  <a:lumOff val="35000"/>
-                </a:schemeClr>
-              </a:solidFill>
-              <a:latin typeface="AvenirNext LT Pro Medium" panose="020B0504020202020204" pitchFamily="34" charset="0"/>
-            </a:endParaRPr>
-          </a:p>
-        </p:txBody>
-      </p:sp>
-      <p:sp>
-        <p:nvSpPr>
-          <p:cNvPr id="13" name="Rectangle 12">
-            <a:extLst>
-              <a:ext uri="{FF2B5EF4-FFF2-40B4-BE49-F238E27FC236}">
-                <a16:creationId xmlns:a16="http://schemas.microsoft.com/office/drawing/2014/main" id="{239CFBC2-8561-4BBF-BDDE-CF7908C98DFC}"/>
-              </a:ext>
-              <a:ext uri="{C183D7F6-B498-43B3-948B-1728B52AA6E4}">
-                <adec:decorative xmlns:adec="http://schemas.microsoft.com/office/drawing/2017/decorative" val="1"/>
-              </a:ext>
-            </a:extLst>
-          </p:cNvPr>
-          <p:cNvSpPr>
-            <a:spLocks noGrp="1" noRot="1" noChangeAspect="1" noMove="1" noResize="1" noEditPoints="1" noAdjustHandles="1" noChangeArrowheads="1" noChangeShapeType="1" noTextEdit="1"/>
-          </p:cNvSpPr>
-          <p:nvPr>
-            <p:extLst>
-              <p:ext uri="{386F3935-93C4-4BCD-93E2-E3B085C9AB24}">
-                <p16:designElem xmlns:p16="http://schemas.microsoft.com/office/powerpoint/2015/main" val="1"/>
-              </p:ext>
-            </p:extLst>
-          </p:nvPr>
-        </p:nvSpPr>
-        <p:spPr>
-          <a:xfrm>
-            <a:off x="0" y="0"/>
-            <a:ext cx="12188952" cy="6858000"/>
-          </a:xfrm>
-          <a:prstGeom prst="rect">
-            <a:avLst/>
-          </a:prstGeom>
-          <a:solidFill>
-            <a:schemeClr val="accent1"/>
-          </a:solidFill>
-          <a:ln>
-            <a:noFill/>
-          </a:ln>
-        </p:spPr>
-        <p:style>
-          <a:lnRef idx="2">
-            <a:schemeClr val="accent1">
-              <a:shade val="50000"/>
-            </a:schemeClr>
-          </a:lnRef>
-          <a:fillRef idx="1">
-            <a:schemeClr val="accent1"/>
-          </a:fillRef>
-          <a:effectRef idx="0">
-            <a:schemeClr val="accent1"/>
-          </a:effectRef>
-          <a:fontRef idx="minor">
-            <a:schemeClr val="lt1"/>
-          </a:fontRef>
-        </p:style>
-        <p:txBody>
-          <a:bodyPr rtlCol="0" anchor="ctr"/>
-          <a:lstStyle/>
-          <a:p>
-            <a:pPr algn="ctr"/>
-            <a:endParaRPr lang="en-US" dirty="0">
-              <a:solidFill>
-                <a:schemeClr val="tx1">
-                  <a:lumMod val="65000"/>
-                  <a:lumOff val="35000"/>
-                </a:schemeClr>
-              </a:solidFill>
-              <a:latin typeface="AvenirNext LT Pro Medium" panose="020B0504020202020204" pitchFamily="34" charset="0"/>
-            </a:endParaRPr>
-          </a:p>
-        </p:txBody>
-      </p:sp>
-      <p:grpSp>
-        <p:nvGrpSpPr>
-          <p:cNvPr id="15" name="Group 14">
-            <a:extLst>
-              <a:ext uri="{FF2B5EF4-FFF2-40B4-BE49-F238E27FC236}">
-                <a16:creationId xmlns:a16="http://schemas.microsoft.com/office/drawing/2014/main" id="{2AAC8F43-3BD7-44FC-843A-972922AF2BC0}"/>
-              </a:ext>
-              <a:ext uri="{C183D7F6-B498-43B3-948B-1728B52AA6E4}">
-                <adec:decorative xmlns:adec="http://schemas.microsoft.com/office/drawing/2017/decorative" val="1"/>
-              </a:ext>
-            </a:extLst>
-          </p:cNvPr>
-          <p:cNvGrpSpPr>
-            <a:grpSpLocks noGrp="1" noUngrp="1" noRot="1" noChangeAspect="1" noMove="1" noResize="1"/>
-          </p:cNvGrpSpPr>
-          <p:nvPr>
-            <p:extLst>
-              <p:ext uri="{386F3935-93C4-4BCD-93E2-E3B085C9AB24}">
-                <p16:designElem xmlns:p16="http://schemas.microsoft.com/office/powerpoint/2015/main" val="1"/>
-              </p:ext>
-            </p:extLst>
-          </p:nvPr>
-        </p:nvGrpSpPr>
-        <p:grpSpPr>
-          <a:xfrm>
-            <a:off x="4464881" y="0"/>
-            <a:ext cx="7724071" cy="6858000"/>
-            <a:chOff x="4464881" y="0"/>
-            <a:chExt cx="7724071" cy="6858000"/>
-          </a:xfrm>
-        </p:grpSpPr>
-        <p:pic>
-          <p:nvPicPr>
-            <p:cNvPr id="16" name="Picture 15">
-              <a:extLst>
-                <a:ext uri="{FF2B5EF4-FFF2-40B4-BE49-F238E27FC236}">
-                  <a16:creationId xmlns:a16="http://schemas.microsoft.com/office/drawing/2014/main" id="{1DE643C6-923A-4762-9462-D589A0AED50B}"/>
-                </a:ext>
-                <a:ext uri="{C183D7F6-B498-43B3-948B-1728B52AA6E4}">
-                  <adec:decorative xmlns:adec="http://schemas.microsoft.com/office/drawing/2017/decorative" val="1"/>
-                </a:ext>
-              </a:extLst>
-            </p:cNvPr>
-            <p:cNvPicPr>
-              <a:picLocks noChangeAspect="1"/>
-            </p:cNvPicPr>
-            <p:nvPr>
-              <p:extLst>
-                <p:ext uri="{386F3935-93C4-4BCD-93E2-E3B085C9AB24}">
-                  <p16:designElem xmlns:p16="http://schemas.microsoft.com/office/powerpoint/2015/main" val="1"/>
-                </p:ext>
-              </p:extLst>
-            </p:nvPr>
-          </p:nvPicPr>
-          <p:blipFill>
-            <a:blip r:embed="rId3">
-              <a:alphaModFix amt="25000"/>
-              <a:extLst>
-                <a:ext uri="{28A0092B-C50C-407E-A947-70E740481C1C}">
-                  <a14:useLocalDpi xmlns:a14="http://schemas.microsoft.com/office/drawing/2010/main" val="0"/>
-                </a:ext>
-              </a:extLst>
-            </a:blip>
-            <a:stretch>
-              <a:fillRect/>
-            </a:stretch>
-          </p:blipFill>
-          <p:spPr>
-            <a:xfrm>
-              <a:off x="7073255" y="0"/>
-              <a:ext cx="5115697" cy="6858000"/>
-            </a:xfrm>
-            <a:prstGeom prst="rect">
-              <a:avLst/>
-            </a:prstGeom>
-          </p:spPr>
-        </p:pic>
-        <p:pic>
-          <p:nvPicPr>
-            <p:cNvPr id="17" name="Picture 16">
-              <a:extLst>
-                <a:ext uri="{FF2B5EF4-FFF2-40B4-BE49-F238E27FC236}">
-                  <a16:creationId xmlns:a16="http://schemas.microsoft.com/office/drawing/2014/main" id="{51AB708F-73DA-4CC8-89B1-8EB70ABB3AEC}"/>
-                </a:ext>
-                <a:ext uri="{C183D7F6-B498-43B3-948B-1728B52AA6E4}">
-                  <adec:decorative xmlns:adec="http://schemas.microsoft.com/office/drawing/2017/decorative" val="1"/>
-                </a:ext>
-              </a:extLst>
-            </p:cNvPr>
-            <p:cNvPicPr>
-              <a:picLocks noChangeAspect="1"/>
-            </p:cNvPicPr>
-            <p:nvPr>
-              <p:extLst>
-                <p:ext uri="{386F3935-93C4-4BCD-93E2-E3B085C9AB24}">
-                  <p16:designElem xmlns:p16="http://schemas.microsoft.com/office/powerpoint/2015/main" val="1"/>
-                </p:ext>
-              </p:extLst>
-            </p:nvPr>
-          </p:nvPicPr>
-          <p:blipFill>
-            <a:blip r:embed="rId4">
-              <a:alphaModFix amt="10000"/>
-              <a:extLst>
-                <a:ext uri="{28A0092B-C50C-407E-A947-70E740481C1C}">
-                  <a14:useLocalDpi xmlns:a14="http://schemas.microsoft.com/office/drawing/2010/main" val="0"/>
-                </a:ext>
-              </a:extLst>
-            </a:blip>
-            <a:stretch>
-              <a:fillRect/>
-            </a:stretch>
-          </p:blipFill>
-          <p:spPr>
-            <a:xfrm rot="16200000">
-              <a:off x="5412135" y="-947254"/>
-              <a:ext cx="5562598" cy="7457106"/>
-            </a:xfrm>
-            <a:prstGeom prst="rect">
-              <a:avLst/>
-            </a:prstGeom>
-            <a:effectLst>
-              <a:softEdge rad="0"/>
-            </a:effectLst>
-          </p:spPr>
-        </p:pic>
-      </p:grpSp>
-      <p:sp>
-        <p:nvSpPr>
-          <p:cNvPr id="2" name="Title 1">
-            <a:extLst>
-              <a:ext uri="{FF2B5EF4-FFF2-40B4-BE49-F238E27FC236}">
-                <a16:creationId xmlns:a16="http://schemas.microsoft.com/office/drawing/2014/main" id="{6BACCF61-0144-9BE9-6D50-9C3B5CD6A42A}"/>
-              </a:ext>
-            </a:extLst>
-          </p:cNvPr>
-          <p:cNvSpPr>
-            <a:spLocks noGrp="1"/>
-          </p:cNvSpPr>
-          <p:nvPr>
-            <p:ph type="title"/>
-          </p:nvPr>
-        </p:nvSpPr>
-        <p:spPr>
-          <a:xfrm>
-            <a:off x="2593848" y="1295400"/>
-            <a:ext cx="7010400" cy="2604928"/>
-          </a:xfrm>
-        </p:spPr>
-        <p:txBody>
-          <a:bodyPr vert="horz" lIns="91440" tIns="45720" rIns="91440" bIns="45720" rtlCol="0" anchor="b">
-            <a:normAutofit/>
-          </a:bodyPr>
-          <a:lstStyle/>
-          <a:p>
-            <a:pPr algn="ctr"/>
-            <a:r>
-              <a:rPr lang="en-US" sz="5200">
-                <a:solidFill>
-                  <a:srgbClr val="FFFFFF"/>
-                </a:solidFill>
-              </a:rPr>
-              <a:t>THANK YOU!</a:t>
-            </a:r>
-          </a:p>
-        </p:txBody>
-      </p:sp>
-    </p:spTree>
-    <p:extLst>
-      <p:ext uri="{BB962C8B-B14F-4D97-AF65-F5344CB8AC3E}">
-        <p14:creationId xmlns:p14="http://schemas.microsoft.com/office/powerpoint/2010/main" val="4001551340"/>
-      </p:ext>
-    </p:extLst>
-  </p:cSld>
-  <p:clrMapOvr>
-    <a:masterClrMapping/>
-  </p:clrMapOvr>
-</p:sld>
-</file>
-
-<file path=ppt/slides/slide11.xml><?xml version="1.0" encoding="utf-8"?>
-<p:sld xmlns:a="http://schemas.openxmlformats.org/drawingml/2006/main" xmlns:r="http://schemas.openxmlformats.org/officeDocument/2006/relationships" xmlns:p="http://schemas.openxmlformats.org/presentationml/2006/main">
-  <p:cSld>
-    <p:spTree>
-      <p:nvGrpSpPr>
-        <p:cNvPr id="1" name=""/>
-        <p:cNvGrpSpPr/>
-        <p:nvPr/>
-      </p:nvGrpSpPr>
-      <p:grpSpPr>
-        <a:xfrm>
-          <a:off x="0" y="0"/>
-          <a:ext cx="0" cy="0"/>
-          <a:chOff x="0" y="0"/>
-          <a:chExt cx="0" cy="0"/>
-        </a:xfrm>
-      </p:grpSpPr>
-      <p:sp>
-        <p:nvSpPr>
-          <p:cNvPr id="2" name="Title 1">
-            <a:extLst>
-              <a:ext uri="{FF2B5EF4-FFF2-40B4-BE49-F238E27FC236}">
-                <a16:creationId xmlns:a16="http://schemas.microsoft.com/office/drawing/2014/main" id="{7F79119A-D07E-1B86-4213-B8ED11BB6C4B}"/>
-              </a:ext>
-            </a:extLst>
-          </p:cNvPr>
-          <p:cNvSpPr>
-            <a:spLocks noGrp="1"/>
-          </p:cNvSpPr>
-          <p:nvPr>
-            <p:ph type="title"/>
-          </p:nvPr>
-        </p:nvSpPr>
-        <p:spPr/>
-        <p:txBody>
-          <a:bodyPr/>
-          <a:lstStyle/>
-          <a:p>
-            <a:endParaRPr lang="en-IN"/>
-          </a:p>
-        </p:txBody>
-      </p:sp>
-      <p:sp>
-        <p:nvSpPr>
-          <p:cNvPr id="3" name="Content Placeholder 2">
-            <a:extLst>
-              <a:ext uri="{FF2B5EF4-FFF2-40B4-BE49-F238E27FC236}">
-                <a16:creationId xmlns:a16="http://schemas.microsoft.com/office/drawing/2014/main" id="{B6444E62-03A3-1D4C-0DD9-6E169CC59BDE}"/>
-              </a:ext>
-            </a:extLst>
-          </p:cNvPr>
-          <p:cNvSpPr>
-            <a:spLocks noGrp="1"/>
-          </p:cNvSpPr>
-          <p:nvPr>
-            <p:ph idx="1"/>
-          </p:nvPr>
-        </p:nvSpPr>
-        <p:spPr/>
-        <p:txBody>
-          <a:bodyPr/>
-          <a:lstStyle/>
-          <a:p>
-            <a:endParaRPr lang="en-IN"/>
-          </a:p>
-        </p:txBody>
-      </p:sp>
-    </p:spTree>
-    <p:extLst>
-      <p:ext uri="{BB962C8B-B14F-4D97-AF65-F5344CB8AC3E}">
-        <p14:creationId xmlns:p14="http://schemas.microsoft.com/office/powerpoint/2010/main" val="3292088535"/>
-      </p:ext>
-    </p:extLst>
-  </p:cSld>
-  <p:clrMapOvr>
-    <a:masterClrMapping/>
-  </p:clrMapOvr>
-</p:sld>
-</file>
-
-<file path=ppt/slides/slide12.xml><?xml version="1.0" encoding="utf-8"?>
-<p:sld xmlns:a="http://schemas.openxmlformats.org/drawingml/2006/main" xmlns:r="http://schemas.openxmlformats.org/officeDocument/2006/relationships" xmlns:p="http://schemas.openxmlformats.org/presentationml/2006/main">
-  <p:cSld>
-    <p:spTree>
-      <p:nvGrpSpPr>
-        <p:cNvPr id="1" name=""/>
-        <p:cNvGrpSpPr/>
-        <p:nvPr/>
-      </p:nvGrpSpPr>
-      <p:grpSpPr>
-        <a:xfrm>
-          <a:off x="0" y="0"/>
-          <a:ext cx="0" cy="0"/>
-          <a:chOff x="0" y="0"/>
-          <a:chExt cx="0" cy="0"/>
-        </a:xfrm>
-      </p:grpSpPr>
-      <p:sp>
-        <p:nvSpPr>
-          <p:cNvPr id="2" name="Title 1">
-            <a:extLst>
-              <a:ext uri="{FF2B5EF4-FFF2-40B4-BE49-F238E27FC236}">
-                <a16:creationId xmlns:a16="http://schemas.microsoft.com/office/drawing/2014/main" id="{5F35E4DC-1806-F006-02E3-96A3DDD47B47}"/>
-              </a:ext>
-            </a:extLst>
-          </p:cNvPr>
-          <p:cNvSpPr>
-            <a:spLocks noGrp="1"/>
-          </p:cNvSpPr>
-          <p:nvPr>
-            <p:ph type="title"/>
-          </p:nvPr>
-        </p:nvSpPr>
-        <p:spPr/>
-        <p:txBody>
-          <a:bodyPr/>
-          <a:lstStyle/>
-          <a:p>
-            <a:endParaRPr lang="en-IN"/>
-          </a:p>
-        </p:txBody>
-      </p:sp>
-      <p:sp>
-        <p:nvSpPr>
-          <p:cNvPr id="3" name="Content Placeholder 2">
-            <a:extLst>
-              <a:ext uri="{FF2B5EF4-FFF2-40B4-BE49-F238E27FC236}">
-                <a16:creationId xmlns:a16="http://schemas.microsoft.com/office/drawing/2014/main" id="{3785B3B4-907B-DA22-DCFC-5FA57950C412}"/>
-              </a:ext>
-            </a:extLst>
-          </p:cNvPr>
-          <p:cNvSpPr>
-            <a:spLocks noGrp="1"/>
-          </p:cNvSpPr>
-          <p:nvPr>
-            <p:ph idx="1"/>
-          </p:nvPr>
-        </p:nvSpPr>
-        <p:spPr/>
-        <p:txBody>
-          <a:bodyPr/>
-          <a:lstStyle/>
-          <a:p>
-            <a:endParaRPr lang="en-IN"/>
-          </a:p>
-        </p:txBody>
-      </p:sp>
-    </p:spTree>
-    <p:extLst>
-      <p:ext uri="{BB962C8B-B14F-4D97-AF65-F5344CB8AC3E}">
-        <p14:creationId xmlns:p14="http://schemas.microsoft.com/office/powerpoint/2010/main" val="2004448604"/>
-      </p:ext>
-    </p:extLst>
-  </p:cSld>
-  <p:clrMapOvr>
-    <a:masterClrMapping/>
-  </p:clrMapOvr>
-</p:sld>
-</file>
-
-<file path=ppt/slides/slide2.xml><?xml version="1.0" encoding="utf-8"?>
-<p:sld xmlns:a="http://schemas.openxmlformats.org/drawingml/2006/main" xmlns:r="http://schemas.openxmlformats.org/officeDocument/2006/relationships" xmlns:p="http://schemas.openxmlformats.org/presentationml/2006/main">
-  <p:cSld>
-    <p:bg>
-      <p:bgPr>
-        <a:solidFill>
-          <a:schemeClr val="bg1"/>
-        </a:solidFill>
-        <a:effectLst/>
-      </p:bgPr>
-    </p:bg>
-    <p:spTree>
-      <p:nvGrpSpPr>
-        <p:cNvPr id="1" name=""/>
-        <p:cNvGrpSpPr/>
-        <p:nvPr/>
-      </p:nvGrpSpPr>
-      <p:grpSpPr>
-        <a:xfrm>
-          <a:off x="0" y="0"/>
-          <a:ext cx="0" cy="0"/>
-          <a:chOff x="0" y="0"/>
-          <a:chExt cx="0" cy="0"/>
-        </a:xfrm>
-      </p:grpSpPr>
-      <p:sp useBgFill="1">
-        <p:nvSpPr>
           <p:cNvPr id="33" name="Rectangle 32">
             <a:extLst>
               <a:ext uri="{FF2B5EF4-FFF2-40B4-BE49-F238E27FC236}">
@@ -12475,14 +11350,14 @@
           <a:p>
             <a:pPr algn="ctr"/>
             <a:r>
-              <a:rPr lang="en-US">
+              <a:rPr lang="en-US" dirty="0">
                 <a:solidFill>
                   <a:srgbClr val="FFFFFF"/>
                 </a:solidFill>
               </a:rPr>
               <a:t>Project Description</a:t>
             </a:r>
-            <a:endParaRPr lang="en-IN">
+            <a:endParaRPr lang="en-IN" dirty="0">
               <a:solidFill>
                 <a:srgbClr val="FFFFFF"/>
               </a:solidFill>
@@ -12553,7 +11428,7 @@
                 <a:latin typeface="Arial" panose="020B0604020202020204" pitchFamily="34" charset="0"/>
                 <a:cs typeface="Arial" panose="020B0604020202020204" pitchFamily="34" charset="0"/>
               </a:rPr>
-              <a:t>httpclient</a:t>
+              <a:t>HttpClient</a:t>
             </a:r>
             <a:r>
               <a:rPr lang="en-US" sz="1800" dirty="0">
@@ -12573,7 +11448,7 @@
                 <a:latin typeface="Arial" panose="020B0604020202020204" pitchFamily="34" charset="0"/>
                 <a:cs typeface="Arial" panose="020B0604020202020204" pitchFamily="34" charset="0"/>
               </a:rPr>
-              <a:t>httpclient</a:t>
+              <a:t>HttpClient</a:t>
             </a:r>
             <a:r>
               <a:rPr lang="en-US" sz="1800" dirty="0">
@@ -12593,7 +11468,7 @@
                 <a:latin typeface="Arial" panose="020B0604020202020204" pitchFamily="34" charset="0"/>
                 <a:cs typeface="Arial" panose="020B0604020202020204" pitchFamily="34" charset="0"/>
               </a:rPr>
-              <a:t>webapifeatures</a:t>
+              <a:t>InMemoryWebAPI</a:t>
             </a:r>
             <a:r>
               <a:rPr lang="en-US" sz="1800" dirty="0">
@@ -12603,7 +11478,7 @@
                 <a:latin typeface="Arial" panose="020B0604020202020204" pitchFamily="34" charset="0"/>
                 <a:cs typeface="Arial" panose="020B0604020202020204" pitchFamily="34" charset="0"/>
               </a:rPr>
-              <a:t>.</a:t>
+              <a:t> . Also implementing the CRUD operations which are necessary for add , update , and delete the details.</a:t>
             </a:r>
             <a:endParaRPr lang="en-IN" sz="1800" dirty="0">
               <a:solidFill>
@@ -12626,7 +11501,7 @@
 </p:sld>
 </file>
 
-<file path=ppt/slides/slide3.xml><?xml version="1.0" encoding="utf-8"?>
+<file path=ppt/slides/slide2.xml><?xml version="1.0" encoding="utf-8"?>
 <p:sld xmlns:a="http://schemas.openxmlformats.org/drawingml/2006/main" xmlns:r="http://schemas.openxmlformats.org/officeDocument/2006/relationships" xmlns:p="http://schemas.openxmlformats.org/presentationml/2006/main">
   <p:cSld>
     <p:bg>
@@ -12986,7 +11861,7 @@
             <p:ph idx="1"/>
             <p:extLst>
               <p:ext uri="{D42A27DB-BD31-4B8C-83A1-F6EECF244321}">
-                <p14:modId xmlns:p14="http://schemas.microsoft.com/office/powerpoint/2010/main" val="3287901787"/>
+                <p14:modId xmlns:p14="http://schemas.microsoft.com/office/powerpoint/2010/main" val="3757546225"/>
               </p:ext>
             </p:extLst>
           </p:nvPr>
@@ -13014,7 +11889,7 @@
 </p:sld>
 </file>
 
-<file path=ppt/slides/slide4.xml><?xml version="1.0" encoding="utf-8"?>
+<file path=ppt/slides/slide3.xml><?xml version="1.0" encoding="utf-8"?>
 <p:sld xmlns:a="http://schemas.openxmlformats.org/drawingml/2006/main" xmlns:r="http://schemas.openxmlformats.org/officeDocument/2006/relationships" xmlns:p="http://schemas.openxmlformats.org/presentationml/2006/main">
   <p:cSld>
     <p:spTree>
@@ -13161,8 +12036,8 @@
         </p:nvSpPr>
         <p:spPr>
           <a:xfrm>
-            <a:off x="1595541" y="304800"/>
-            <a:ext cx="8672051" cy="530942"/>
+            <a:off x="1595541" y="666780"/>
+            <a:ext cx="8672051" cy="400391"/>
           </a:xfrm>
           <a:prstGeom prst="rect">
             <a:avLst/>
@@ -13191,7 +12066,7 @@
             <a:pPr algn="ctr"/>
             <a:r>
               <a:rPr lang="en-US" dirty="0"/>
-              <a:t>Nav-Bar(app)</a:t>
+              <a:t>NAV_BAR</a:t>
             </a:r>
             <a:endParaRPr lang="en-IN" dirty="0"/>
           </a:p>
@@ -13841,6 +12716,7 @@
             </a:extLst>
           </p:cNvPr>
           <p:cNvCxnSpPr>
+            <a:cxnSpLocks/>
             <a:stCxn id="7" idx="2"/>
             <a:endCxn id="28" idx="0"/>
           </p:cNvCxnSpPr>
@@ -13848,8 +12724,8 @@
         </p:nvCxnSpPr>
         <p:spPr>
           <a:xfrm>
-            <a:off x="5931567" y="835742"/>
-            <a:ext cx="511784" cy="850487"/>
+            <a:off x="5931567" y="1067171"/>
+            <a:ext cx="511784" cy="619058"/>
           </a:xfrm>
           <a:prstGeom prst="straightConnector1">
             <a:avLst/>
@@ -14718,6 +13594,55 @@
           </a:fontRef>
         </p:style>
       </p:cxnSp>
+      <p:sp>
+        <p:nvSpPr>
+          <p:cNvPr id="5" name="Rectangle 4">
+            <a:extLst>
+              <a:ext uri="{FF2B5EF4-FFF2-40B4-BE49-F238E27FC236}">
+                <a16:creationId xmlns:a16="http://schemas.microsoft.com/office/drawing/2014/main" id="{78CCF4EC-5D37-5C95-DABB-1C9CCA1912AC}"/>
+              </a:ext>
+            </a:extLst>
+          </p:cNvPr>
+          <p:cNvSpPr/>
+          <p:nvPr/>
+        </p:nvSpPr>
+        <p:spPr>
+          <a:xfrm>
+            <a:off x="4227871" y="176981"/>
+            <a:ext cx="3565513" cy="303830"/>
+          </a:xfrm>
+          <a:prstGeom prst="rect">
+            <a:avLst/>
+          </a:prstGeom>
+        </p:spPr>
+        <p:style>
+          <a:lnRef idx="2">
+            <a:schemeClr val="accent1">
+              <a:shade val="15000"/>
+            </a:schemeClr>
+          </a:lnRef>
+          <a:fillRef idx="1">
+            <a:schemeClr val="accent1"/>
+          </a:fillRef>
+          <a:effectRef idx="0">
+            <a:schemeClr val="accent1"/>
+          </a:effectRef>
+          <a:fontRef idx="minor">
+            <a:schemeClr val="lt1"/>
+          </a:fontRef>
+        </p:style>
+        <p:txBody>
+          <a:bodyPr rtlCol="0" anchor="ctr"/>
+          <a:lstStyle/>
+          <a:p>
+            <a:pPr algn="ctr"/>
+            <a:r>
+              <a:rPr lang="en-IN" dirty="0"/>
+              <a:t>PROJECT OVERVIEW</a:t>
+            </a:r>
+          </a:p>
+        </p:txBody>
+      </p:sp>
     </p:spTree>
     <p:extLst>
       <p:ext uri="{BB962C8B-B14F-4D97-AF65-F5344CB8AC3E}">
@@ -14731,7 +13656,663 @@
 </p:sld>
 </file>
 
+<file path=ppt/slides/slide4.xml><?xml version="1.0" encoding="utf-8"?>
+<p:sld xmlns:a="http://schemas.openxmlformats.org/drawingml/2006/main" xmlns:r="http://schemas.openxmlformats.org/officeDocument/2006/relationships" xmlns:p="http://schemas.openxmlformats.org/presentationml/2006/main">
+  <p:cSld>
+    <p:spTree>
+      <p:nvGrpSpPr>
+        <p:cNvPr id="1" name=""/>
+        <p:cNvGrpSpPr/>
+        <p:nvPr/>
+      </p:nvGrpSpPr>
+      <p:grpSpPr>
+        <a:xfrm>
+          <a:off x="0" y="0"/>
+          <a:ext cx="0" cy="0"/>
+          <a:chOff x="0" y="0"/>
+          <a:chExt cx="0" cy="0"/>
+        </a:xfrm>
+      </p:grpSpPr>
+      <p:pic>
+        <p:nvPicPr>
+          <p:cNvPr id="15" name="Content Placeholder 14" descr="A screen shot of a computer&#10;&#10;Description automatically generated">
+            <a:extLst>
+              <a:ext uri="{FF2B5EF4-FFF2-40B4-BE49-F238E27FC236}">
+                <a16:creationId xmlns:a16="http://schemas.microsoft.com/office/drawing/2014/main" id="{CA6E4DD6-A78A-EC19-0AD8-194307BB2BB4}"/>
+              </a:ext>
+            </a:extLst>
+          </p:cNvPr>
+          <p:cNvPicPr>
+            <a:picLocks noGrp="1" noChangeAspect="1"/>
+          </p:cNvPicPr>
+          <p:nvPr>
+            <p:ph idx="1"/>
+          </p:nvPr>
+        </p:nvPicPr>
+        <p:blipFill>
+          <a:blip r:embed="rId2">
+            <a:extLst>
+              <a:ext uri="{28A0092B-C50C-407E-A947-70E740481C1C}">
+                <a14:useLocalDpi xmlns:a14="http://schemas.microsoft.com/office/drawing/2010/main" val="0"/>
+              </a:ext>
+            </a:extLst>
+          </a:blip>
+          <a:stretch>
+            <a:fillRect/>
+          </a:stretch>
+        </p:blipFill>
+        <p:spPr>
+          <a:xfrm>
+            <a:off x="183485" y="186454"/>
+            <a:ext cx="11274425" cy="3033098"/>
+          </a:xfrm>
+        </p:spPr>
+      </p:pic>
+      <p:pic>
+        <p:nvPicPr>
+          <p:cNvPr id="17" name="Picture 16" descr="A screenshot of a video game&#10;&#10;Description automatically generated">
+            <a:extLst>
+              <a:ext uri="{FF2B5EF4-FFF2-40B4-BE49-F238E27FC236}">
+                <a16:creationId xmlns:a16="http://schemas.microsoft.com/office/drawing/2014/main" id="{08427BC9-C4AA-A09D-7CAD-FBD5B86D313B}"/>
+              </a:ext>
+            </a:extLst>
+          </p:cNvPr>
+          <p:cNvPicPr>
+            <a:picLocks noChangeAspect="1"/>
+          </p:cNvPicPr>
+          <p:nvPr/>
+        </p:nvPicPr>
+        <p:blipFill>
+          <a:blip r:embed="rId3">
+            <a:extLst>
+              <a:ext uri="{28A0092B-C50C-407E-A947-70E740481C1C}">
+                <a14:useLocalDpi xmlns:a14="http://schemas.microsoft.com/office/drawing/2010/main" val="0"/>
+              </a:ext>
+            </a:extLst>
+          </a:blip>
+          <a:stretch>
+            <a:fillRect/>
+          </a:stretch>
+        </p:blipFill>
+        <p:spPr>
+          <a:xfrm>
+            <a:off x="183485" y="3429001"/>
+            <a:ext cx="11274425" cy="3345426"/>
+          </a:xfrm>
+          <a:prstGeom prst="rect">
+            <a:avLst/>
+          </a:prstGeom>
+        </p:spPr>
+      </p:pic>
+    </p:spTree>
+    <p:extLst>
+      <p:ext uri="{BB962C8B-B14F-4D97-AF65-F5344CB8AC3E}">
+        <p14:creationId xmlns:p14="http://schemas.microsoft.com/office/powerpoint/2010/main" val="3235828452"/>
+      </p:ext>
+    </p:extLst>
+  </p:cSld>
+  <p:clrMapOvr>
+    <a:masterClrMapping/>
+  </p:clrMapOvr>
+</p:sld>
+</file>
+
 <file path=ppt/slides/slide5.xml><?xml version="1.0" encoding="utf-8"?>
+<p:sld xmlns:a="http://schemas.openxmlformats.org/drawingml/2006/main" xmlns:r="http://schemas.openxmlformats.org/officeDocument/2006/relationships" xmlns:p="http://schemas.openxmlformats.org/presentationml/2006/main">
+  <p:cSld>
+    <p:spTree>
+      <p:nvGrpSpPr>
+        <p:cNvPr id="1" name=""/>
+        <p:cNvGrpSpPr/>
+        <p:nvPr/>
+      </p:nvGrpSpPr>
+      <p:grpSpPr>
+        <a:xfrm>
+          <a:off x="0" y="0"/>
+          <a:ext cx="0" cy="0"/>
+          <a:chOff x="0" y="0"/>
+          <a:chExt cx="0" cy="0"/>
+        </a:xfrm>
+      </p:grpSpPr>
+      <p:pic>
+        <p:nvPicPr>
+          <p:cNvPr id="7" name="Picture 6" descr="A cartoon character on a yellow background&#10;&#10;Description automatically generated">
+            <a:extLst>
+              <a:ext uri="{FF2B5EF4-FFF2-40B4-BE49-F238E27FC236}">
+                <a16:creationId xmlns:a16="http://schemas.microsoft.com/office/drawing/2014/main" id="{26FF27C0-276F-3ED9-A478-EC1A889A1CC1}"/>
+              </a:ext>
+            </a:extLst>
+          </p:cNvPr>
+          <p:cNvPicPr>
+            <a:picLocks noChangeAspect="1"/>
+          </p:cNvPicPr>
+          <p:nvPr/>
+        </p:nvPicPr>
+        <p:blipFill>
+          <a:blip r:embed="rId2">
+            <a:extLst>
+              <a:ext uri="{28A0092B-C50C-407E-A947-70E740481C1C}">
+                <a14:useLocalDpi xmlns:a14="http://schemas.microsoft.com/office/drawing/2010/main" val="0"/>
+              </a:ext>
+            </a:extLst>
+          </a:blip>
+          <a:stretch>
+            <a:fillRect/>
+          </a:stretch>
+        </p:blipFill>
+        <p:spPr>
+          <a:xfrm>
+            <a:off x="245807" y="374514"/>
+            <a:ext cx="11203510" cy="6108971"/>
+          </a:xfrm>
+          <a:prstGeom prst="rect">
+            <a:avLst/>
+          </a:prstGeom>
+        </p:spPr>
+      </p:pic>
+    </p:spTree>
+    <p:extLst>
+      <p:ext uri="{BB962C8B-B14F-4D97-AF65-F5344CB8AC3E}">
+        <p14:creationId xmlns:p14="http://schemas.microsoft.com/office/powerpoint/2010/main" val="326149959"/>
+      </p:ext>
+    </p:extLst>
+  </p:cSld>
+  <p:clrMapOvr>
+    <a:masterClrMapping/>
+  </p:clrMapOvr>
+</p:sld>
+</file>
+
+<file path=ppt/slides/slide6.xml><?xml version="1.0" encoding="utf-8"?>
+<p:sld xmlns:a="http://schemas.openxmlformats.org/drawingml/2006/main" xmlns:r="http://schemas.openxmlformats.org/officeDocument/2006/relationships" xmlns:p="http://schemas.openxmlformats.org/presentationml/2006/main">
+  <p:cSld>
+    <p:spTree>
+      <p:nvGrpSpPr>
+        <p:cNvPr id="1" name=""/>
+        <p:cNvGrpSpPr/>
+        <p:nvPr/>
+      </p:nvGrpSpPr>
+      <p:grpSpPr>
+        <a:xfrm>
+          <a:off x="0" y="0"/>
+          <a:ext cx="0" cy="0"/>
+          <a:chOff x="0" y="0"/>
+          <a:chExt cx="0" cy="0"/>
+        </a:xfrm>
+      </p:grpSpPr>
+      <p:pic>
+        <p:nvPicPr>
+          <p:cNvPr id="3" name="Picture 2" descr="A screenshot of a computer&#10;&#10;Description automatically generated">
+            <a:extLst>
+              <a:ext uri="{FF2B5EF4-FFF2-40B4-BE49-F238E27FC236}">
+                <a16:creationId xmlns:a16="http://schemas.microsoft.com/office/drawing/2014/main" id="{57AFACCA-BD71-11B3-B30F-E4E5C021A9AC}"/>
+              </a:ext>
+            </a:extLst>
+          </p:cNvPr>
+          <p:cNvPicPr>
+            <a:picLocks noChangeAspect="1"/>
+          </p:cNvPicPr>
+          <p:nvPr/>
+        </p:nvPicPr>
+        <p:blipFill>
+          <a:blip r:embed="rId2">
+            <a:extLst>
+              <a:ext uri="{28A0092B-C50C-407E-A947-70E740481C1C}">
+                <a14:useLocalDpi xmlns:a14="http://schemas.microsoft.com/office/drawing/2010/main" val="0"/>
+              </a:ext>
+            </a:extLst>
+          </a:blip>
+          <a:stretch>
+            <a:fillRect/>
+          </a:stretch>
+        </p:blipFill>
+        <p:spPr>
+          <a:xfrm>
+            <a:off x="3291211" y="447260"/>
+            <a:ext cx="5609578" cy="6102627"/>
+          </a:xfrm>
+          <a:prstGeom prst="rect">
+            <a:avLst/>
+          </a:prstGeom>
+        </p:spPr>
+      </p:pic>
+    </p:spTree>
+    <p:extLst>
+      <p:ext uri="{BB962C8B-B14F-4D97-AF65-F5344CB8AC3E}">
+        <p14:creationId xmlns:p14="http://schemas.microsoft.com/office/powerpoint/2010/main" val="3691004504"/>
+      </p:ext>
+    </p:extLst>
+  </p:cSld>
+  <p:clrMapOvr>
+    <a:masterClrMapping/>
+  </p:clrMapOvr>
+</p:sld>
+</file>
+
+<file path=ppt/slides/slide7.xml><?xml version="1.0" encoding="utf-8"?>
+<p:sld xmlns:a="http://schemas.openxmlformats.org/drawingml/2006/main" xmlns:r="http://schemas.openxmlformats.org/officeDocument/2006/relationships" xmlns:p="http://schemas.openxmlformats.org/presentationml/2006/main">
+  <p:cSld>
+    <p:bg>
+      <p:bgPr>
+        <a:solidFill>
+          <a:schemeClr val="bg1"/>
+        </a:solidFill>
+        <a:effectLst/>
+      </p:bgPr>
+    </p:bg>
+    <p:spTree>
+      <p:nvGrpSpPr>
+        <p:cNvPr id="1" name=""/>
+        <p:cNvGrpSpPr/>
+        <p:nvPr/>
+      </p:nvGrpSpPr>
+      <p:grpSpPr>
+        <a:xfrm>
+          <a:off x="0" y="0"/>
+          <a:ext cx="0" cy="0"/>
+          <a:chOff x="0" y="0"/>
+          <a:chExt cx="0" cy="0"/>
+        </a:xfrm>
+      </p:grpSpPr>
+      <p:sp useBgFill="1">
+        <p:nvSpPr>
+          <p:cNvPr id="24" name="Rectangle 23">
+            <a:extLst>
+              <a:ext uri="{FF2B5EF4-FFF2-40B4-BE49-F238E27FC236}">
+                <a16:creationId xmlns:a16="http://schemas.microsoft.com/office/drawing/2014/main" id="{8651CFA9-6065-4243-AC48-858E359780B1}"/>
+              </a:ext>
+              <a:ext uri="{C183D7F6-B498-43B3-948B-1728B52AA6E4}">
+                <adec:decorative xmlns:adec="http://schemas.microsoft.com/office/drawing/2017/decorative" val="1"/>
+              </a:ext>
+            </a:extLst>
+          </p:cNvPr>
+          <p:cNvSpPr>
+            <a:spLocks noGrp="1" noRot="1" noChangeAspect="1" noMove="1" noResize="1" noEditPoints="1" noAdjustHandles="1" noChangeArrowheads="1" noChangeShapeType="1" noTextEdit="1"/>
+          </p:cNvSpPr>
+          <p:nvPr>
+            <p:extLst>
+              <p:ext uri="{386F3935-93C4-4BCD-93E2-E3B085C9AB24}">
+                <p16:designElem xmlns:p16="http://schemas.microsoft.com/office/powerpoint/2015/main" val="1"/>
+              </p:ext>
+            </p:extLst>
+          </p:nvPr>
+        </p:nvSpPr>
+        <p:spPr>
+          <a:xfrm>
+            <a:off x="0" y="0"/>
+            <a:ext cx="12188952" cy="6858000"/>
+          </a:xfrm>
+          <a:prstGeom prst="rect">
+            <a:avLst/>
+          </a:prstGeom>
+          <a:ln>
+            <a:noFill/>
+          </a:ln>
+        </p:spPr>
+        <p:style>
+          <a:lnRef idx="2">
+            <a:schemeClr val="accent1">
+              <a:shade val="50000"/>
+            </a:schemeClr>
+          </a:lnRef>
+          <a:fillRef idx="1">
+            <a:schemeClr val="accent1"/>
+          </a:fillRef>
+          <a:effectRef idx="0">
+            <a:schemeClr val="accent1"/>
+          </a:effectRef>
+          <a:fontRef idx="minor">
+            <a:schemeClr val="lt1"/>
+          </a:fontRef>
+        </p:style>
+        <p:txBody>
+          <a:bodyPr rtlCol="0" anchor="ctr"/>
+          <a:lstStyle/>
+          <a:p>
+            <a:pPr algn="ctr"/>
+            <a:endParaRPr lang="en-US" dirty="0">
+              <a:solidFill>
+                <a:schemeClr val="tx1">
+                  <a:lumMod val="65000"/>
+                  <a:lumOff val="35000"/>
+                </a:schemeClr>
+              </a:solidFill>
+              <a:latin typeface="AvenirNext LT Pro Medium" panose="020B0504020202020204" pitchFamily="34" charset="0"/>
+            </a:endParaRPr>
+          </a:p>
+        </p:txBody>
+      </p:sp>
+      <p:sp>
+        <p:nvSpPr>
+          <p:cNvPr id="25" name="Rectangle 24">
+            <a:extLst>
+              <a:ext uri="{FF2B5EF4-FFF2-40B4-BE49-F238E27FC236}">
+                <a16:creationId xmlns:a16="http://schemas.microsoft.com/office/drawing/2014/main" id="{5A8C81AE-8F0D-49F3-9FB4-334B0DCDF195}"/>
+              </a:ext>
+              <a:ext uri="{C183D7F6-B498-43B3-948B-1728B52AA6E4}">
+                <adec:decorative xmlns:adec="http://schemas.microsoft.com/office/drawing/2017/decorative" val="1"/>
+              </a:ext>
+            </a:extLst>
+          </p:cNvPr>
+          <p:cNvSpPr>
+            <a:spLocks noGrp="1" noRot="1" noChangeAspect="1" noMove="1" noResize="1" noEditPoints="1" noAdjustHandles="1" noChangeArrowheads="1" noChangeShapeType="1" noTextEdit="1"/>
+          </p:cNvSpPr>
+          <p:nvPr>
+            <p:extLst>
+              <p:ext uri="{386F3935-93C4-4BCD-93E2-E3B085C9AB24}">
+                <p16:designElem xmlns:p16="http://schemas.microsoft.com/office/powerpoint/2015/main" val="1"/>
+              </p:ext>
+            </p:extLst>
+          </p:nvPr>
+        </p:nvSpPr>
+        <p:spPr>
+          <a:xfrm>
+            <a:off x="3048" y="0"/>
+            <a:ext cx="12188952" cy="6858000"/>
+          </a:xfrm>
+          <a:prstGeom prst="rect">
+            <a:avLst/>
+          </a:prstGeom>
+          <a:solidFill>
+            <a:schemeClr val="bg2">
+              <a:lumMod val="90000"/>
+              <a:alpha val="70000"/>
+            </a:schemeClr>
+          </a:solidFill>
+          <a:ln>
+            <a:noFill/>
+          </a:ln>
+        </p:spPr>
+        <p:style>
+          <a:lnRef idx="2">
+            <a:schemeClr val="accent1">
+              <a:shade val="50000"/>
+            </a:schemeClr>
+          </a:lnRef>
+          <a:fillRef idx="1">
+            <a:schemeClr val="accent1"/>
+          </a:fillRef>
+          <a:effectRef idx="0">
+            <a:schemeClr val="accent1"/>
+          </a:effectRef>
+          <a:fontRef idx="minor">
+            <a:schemeClr val="lt1"/>
+          </a:fontRef>
+        </p:style>
+        <p:txBody>
+          <a:bodyPr rtlCol="0" anchor="ctr"/>
+          <a:lstStyle/>
+          <a:p>
+            <a:pPr algn="ctr"/>
+            <a:endParaRPr lang="en-US">
+              <a:solidFill>
+                <a:schemeClr val="tx1">
+                  <a:lumMod val="65000"/>
+                  <a:lumOff val="35000"/>
+                </a:schemeClr>
+              </a:solidFill>
+              <a:latin typeface="AvenirNext LT Pro Medium" panose="020B0504020202020204" pitchFamily="34" charset="0"/>
+            </a:endParaRPr>
+          </a:p>
+        </p:txBody>
+      </p:sp>
+      <p:pic>
+        <p:nvPicPr>
+          <p:cNvPr id="5" name="Content Placeholder 4" descr="A screenshot of a computer&#10;&#10;Description automatically generated">
+            <a:extLst>
+              <a:ext uri="{FF2B5EF4-FFF2-40B4-BE49-F238E27FC236}">
+                <a16:creationId xmlns:a16="http://schemas.microsoft.com/office/drawing/2014/main" id="{9F82E701-84CE-1BAB-857F-D65CA0DC12E6}"/>
+              </a:ext>
+            </a:extLst>
+          </p:cNvPr>
+          <p:cNvPicPr>
+            <a:picLocks noChangeAspect="1"/>
+          </p:cNvPicPr>
+          <p:nvPr/>
+        </p:nvPicPr>
+        <p:blipFill>
+          <a:blip r:embed="rId2">
+            <a:extLst>
+              <a:ext uri="{28A0092B-C50C-407E-A947-70E740481C1C}">
+                <a14:useLocalDpi xmlns:a14="http://schemas.microsoft.com/office/drawing/2010/main" val="0"/>
+              </a:ext>
+            </a:extLst>
+          </a:blip>
+          <a:stretch>
+            <a:fillRect/>
+          </a:stretch>
+        </p:blipFill>
+        <p:spPr>
+          <a:xfrm>
+            <a:off x="838201" y="587440"/>
+            <a:ext cx="5179236" cy="2524877"/>
+          </a:xfrm>
+          <a:prstGeom prst="rect">
+            <a:avLst/>
+          </a:prstGeom>
+        </p:spPr>
+      </p:pic>
+      <p:grpSp>
+        <p:nvGrpSpPr>
+          <p:cNvPr id="26" name="Group 25">
+            <a:extLst>
+              <a:ext uri="{FF2B5EF4-FFF2-40B4-BE49-F238E27FC236}">
+                <a16:creationId xmlns:a16="http://schemas.microsoft.com/office/drawing/2014/main" id="{8FCE3762-4AEF-4484-94B2-6974B6BF2259}"/>
+              </a:ext>
+              <a:ext uri="{C183D7F6-B498-43B3-948B-1728B52AA6E4}">
+                <adec:decorative xmlns:adec="http://schemas.microsoft.com/office/drawing/2017/decorative" val="1"/>
+              </a:ext>
+            </a:extLst>
+          </p:cNvPr>
+          <p:cNvGrpSpPr>
+            <a:grpSpLocks noGrp="1" noUngrp="1" noRot="1" noChangeAspect="1" noMove="1" noResize="1"/>
+          </p:cNvGrpSpPr>
+          <p:nvPr>
+            <p:extLst>
+              <p:ext uri="{386F3935-93C4-4BCD-93E2-E3B085C9AB24}">
+                <p16:designElem xmlns:p16="http://schemas.microsoft.com/office/powerpoint/2015/main" val="1"/>
+              </p:ext>
+            </p:extLst>
+          </p:nvPr>
+        </p:nvGrpSpPr>
+        <p:grpSpPr>
+          <a:xfrm flipV="1">
+            <a:off x="8167025" y="76200"/>
+            <a:ext cx="3997615" cy="6816079"/>
+            <a:chOff x="8059620" y="41922"/>
+            <a:chExt cx="3997615" cy="6816077"/>
+          </a:xfrm>
+        </p:grpSpPr>
+        <p:pic>
+          <p:nvPicPr>
+            <p:cNvPr id="19" name="Picture 18">
+              <a:extLst>
+                <a:ext uri="{FF2B5EF4-FFF2-40B4-BE49-F238E27FC236}">
+                  <a16:creationId xmlns:a16="http://schemas.microsoft.com/office/drawing/2014/main" id="{EC6958F1-1615-4547-BCAB-3D2B0DF74AAD}"/>
+                </a:ext>
+                <a:ext uri="{C183D7F6-B498-43B3-948B-1728B52AA6E4}">
+                  <adec:decorative xmlns:adec="http://schemas.microsoft.com/office/drawing/2017/decorative" val="1"/>
+                </a:ext>
+              </a:extLst>
+            </p:cNvPr>
+            <p:cNvPicPr>
+              <a:picLocks noChangeAspect="1"/>
+            </p:cNvPicPr>
+            <p:nvPr>
+              <p:extLst>
+                <p:ext uri="{386F3935-93C4-4BCD-93E2-E3B085C9AB24}">
+                  <p16:designElem xmlns:p16="http://schemas.microsoft.com/office/powerpoint/2015/main" val="1"/>
+                </p:ext>
+              </p:extLst>
+            </p:nvPr>
+          </p:nvPicPr>
+          <p:blipFill rotWithShape="1">
+            <a:blip r:embed="rId3">
+              <a:duotone>
+                <a:schemeClr val="accent6">
+                  <a:shade val="45000"/>
+                  <a:satMod val="135000"/>
+                </a:schemeClr>
+                <a:prstClr val="white"/>
+              </a:duotone>
+              <a:alphaModFix amt="7000"/>
+              <a:extLst>
+                <a:ext uri="{28A0092B-C50C-407E-A947-70E740481C1C}">
+                  <a14:useLocalDpi xmlns:a14="http://schemas.microsoft.com/office/drawing/2010/main" val="0"/>
+                </a:ext>
+              </a:extLst>
+            </a:blip>
+            <a:srcRect l="22818" b="17291"/>
+            <a:stretch/>
+          </p:blipFill>
+          <p:spPr>
+            <a:xfrm flipH="1">
+              <a:off x="8059620" y="1345934"/>
+              <a:ext cx="3997615" cy="5512065"/>
+            </a:xfrm>
+            <a:prstGeom prst="rect">
+              <a:avLst/>
+            </a:prstGeom>
+          </p:spPr>
+        </p:pic>
+        <p:pic>
+          <p:nvPicPr>
+            <p:cNvPr id="27" name="Picture 26">
+              <a:extLst>
+                <a:ext uri="{FF2B5EF4-FFF2-40B4-BE49-F238E27FC236}">
+                  <a16:creationId xmlns:a16="http://schemas.microsoft.com/office/drawing/2014/main" id="{E52211D9-2E06-4B31-9BB6-3A5CE1DA963C}"/>
+                </a:ext>
+                <a:ext uri="{C183D7F6-B498-43B3-948B-1728B52AA6E4}">
+                  <adec:decorative xmlns:adec="http://schemas.microsoft.com/office/drawing/2017/decorative" val="1"/>
+                </a:ext>
+              </a:extLst>
+            </p:cNvPr>
+            <p:cNvPicPr>
+              <a:picLocks noChangeAspect="1"/>
+            </p:cNvPicPr>
+            <p:nvPr>
+              <p:extLst>
+                <p:ext uri="{386F3935-93C4-4BCD-93E2-E3B085C9AB24}">
+                  <p16:designElem xmlns:p16="http://schemas.microsoft.com/office/powerpoint/2015/main" val="1"/>
+                </p:ext>
+              </p:extLst>
+            </p:nvPr>
+          </p:nvPicPr>
+          <p:blipFill rotWithShape="1">
+            <a:blip r:embed="rId3">
+              <a:duotone>
+                <a:schemeClr val="accent6">
+                  <a:shade val="45000"/>
+                  <a:satMod val="135000"/>
+                </a:schemeClr>
+                <a:prstClr val="white"/>
+              </a:duotone>
+              <a:alphaModFix amt="15000"/>
+              <a:extLst>
+                <a:ext uri="{28A0092B-C50C-407E-A947-70E740481C1C}">
+                  <a14:useLocalDpi xmlns:a14="http://schemas.microsoft.com/office/drawing/2010/main" val="0"/>
+                </a:ext>
+              </a:extLst>
+            </a:blip>
+            <a:srcRect r="40690"/>
+            <a:stretch/>
+          </p:blipFill>
+          <p:spPr>
+            <a:xfrm>
+              <a:off x="8915400" y="41922"/>
+              <a:ext cx="3141835" cy="6816077"/>
+            </a:xfrm>
+            <a:prstGeom prst="rect">
+              <a:avLst/>
+            </a:prstGeom>
+          </p:spPr>
+        </p:pic>
+      </p:grpSp>
+      <p:pic>
+        <p:nvPicPr>
+          <p:cNvPr id="7" name="Picture 6" descr="A screen shot of a computer&#10;&#10;Description automatically generated">
+            <a:extLst>
+              <a:ext uri="{FF2B5EF4-FFF2-40B4-BE49-F238E27FC236}">
+                <a16:creationId xmlns:a16="http://schemas.microsoft.com/office/drawing/2014/main" id="{7AA089F9-5B1C-077C-6B4E-E49011195FB6}"/>
+              </a:ext>
+            </a:extLst>
+          </p:cNvPr>
+          <p:cNvPicPr>
+            <a:picLocks noChangeAspect="1"/>
+          </p:cNvPicPr>
+          <p:nvPr/>
+        </p:nvPicPr>
+        <p:blipFill>
+          <a:blip r:embed="rId4">
+            <a:extLst>
+              <a:ext uri="{28A0092B-C50C-407E-A947-70E740481C1C}">
+                <a14:useLocalDpi xmlns:a14="http://schemas.microsoft.com/office/drawing/2010/main" val="0"/>
+              </a:ext>
+            </a:extLst>
+          </a:blip>
+          <a:stretch>
+            <a:fillRect/>
+          </a:stretch>
+        </p:blipFill>
+        <p:spPr>
+          <a:xfrm>
+            <a:off x="6190656" y="1286637"/>
+            <a:ext cx="5179236" cy="1126484"/>
+          </a:xfrm>
+          <a:prstGeom prst="rect">
+            <a:avLst/>
+          </a:prstGeom>
+        </p:spPr>
+      </p:pic>
+      <p:pic>
+        <p:nvPicPr>
+          <p:cNvPr id="9" name="Content Placeholder 8" descr="A cartoon character with flowers&#10;&#10;Description automatically generated">
+            <a:extLst>
+              <a:ext uri="{FF2B5EF4-FFF2-40B4-BE49-F238E27FC236}">
+                <a16:creationId xmlns:a16="http://schemas.microsoft.com/office/drawing/2014/main" id="{7224932C-DE3A-A927-FEF0-F0760424C5D5}"/>
+              </a:ext>
+            </a:extLst>
+          </p:cNvPr>
+          <p:cNvPicPr>
+            <a:picLocks noGrp="1" noChangeAspect="1"/>
+          </p:cNvPicPr>
+          <p:nvPr>
+            <p:ph idx="1"/>
+          </p:nvPr>
+        </p:nvPicPr>
+        <p:blipFill>
+          <a:blip r:embed="rId5">
+            <a:extLst>
+              <a:ext uri="{28A0092B-C50C-407E-A947-70E740481C1C}">
+                <a14:useLocalDpi xmlns:a14="http://schemas.microsoft.com/office/drawing/2010/main" val="0"/>
+              </a:ext>
+            </a:extLst>
+          </a:blip>
+          <a:stretch>
+            <a:fillRect/>
+          </a:stretch>
+        </p:blipFill>
+        <p:spPr>
+          <a:xfrm>
+            <a:off x="5943599" y="3657600"/>
+            <a:ext cx="4899991" cy="2941983"/>
+          </a:xfrm>
+        </p:spPr>
+      </p:pic>
+    </p:spTree>
+    <p:extLst>
+      <p:ext uri="{BB962C8B-B14F-4D97-AF65-F5344CB8AC3E}">
+        <p14:creationId xmlns:p14="http://schemas.microsoft.com/office/powerpoint/2010/main" val="2685949468"/>
+      </p:ext>
+    </p:extLst>
+  </p:cSld>
+  <p:clrMapOvr>
+    <a:masterClrMapping/>
+  </p:clrMapOvr>
+</p:sld>
+</file>
+
+<file path=ppt/slides/slide8.xml><?xml version="1.0" encoding="utf-8"?>
 <p:sld xmlns:a="http://schemas.openxmlformats.org/drawingml/2006/main" xmlns:r="http://schemas.openxmlformats.org/officeDocument/2006/relationships" xmlns:p="http://schemas.openxmlformats.org/presentationml/2006/main">
   <p:cSld>
     <p:bg>
@@ -15120,239 +14701,6 @@
 </p:sld>
 </file>
 
-<file path=ppt/slides/slide6.xml><?xml version="1.0" encoding="utf-8"?>
-<p:sld xmlns:a="http://schemas.openxmlformats.org/drawingml/2006/main" xmlns:r="http://schemas.openxmlformats.org/officeDocument/2006/relationships" xmlns:p="http://schemas.openxmlformats.org/presentationml/2006/main">
-  <p:cSld>
-    <p:spTree>
-      <p:nvGrpSpPr>
-        <p:cNvPr id="1" name=""/>
-        <p:cNvGrpSpPr/>
-        <p:nvPr/>
-      </p:nvGrpSpPr>
-      <p:grpSpPr>
-        <a:xfrm>
-          <a:off x="0" y="0"/>
-          <a:ext cx="0" cy="0"/>
-          <a:chOff x="0" y="0"/>
-          <a:chExt cx="0" cy="0"/>
-        </a:xfrm>
-      </p:grpSpPr>
-      <p:pic>
-        <p:nvPicPr>
-          <p:cNvPr id="15" name="Content Placeholder 14" descr="A screen shot of a computer&#10;&#10;Description automatically generated">
-            <a:extLst>
-              <a:ext uri="{FF2B5EF4-FFF2-40B4-BE49-F238E27FC236}">
-                <a16:creationId xmlns:a16="http://schemas.microsoft.com/office/drawing/2014/main" id="{CA6E4DD6-A78A-EC19-0AD8-194307BB2BB4}"/>
-              </a:ext>
-            </a:extLst>
-          </p:cNvPr>
-          <p:cNvPicPr>
-            <a:picLocks noGrp="1" noChangeAspect="1"/>
-          </p:cNvPicPr>
-          <p:nvPr>
-            <p:ph idx="1"/>
-          </p:nvPr>
-        </p:nvPicPr>
-        <p:blipFill>
-          <a:blip r:embed="rId2">
-            <a:extLst>
-              <a:ext uri="{28A0092B-C50C-407E-A947-70E740481C1C}">
-                <a14:useLocalDpi xmlns:a14="http://schemas.microsoft.com/office/drawing/2010/main" val="0"/>
-              </a:ext>
-            </a:extLst>
-          </a:blip>
-          <a:stretch>
-            <a:fillRect/>
-          </a:stretch>
-        </p:blipFill>
-        <p:spPr>
-          <a:xfrm>
-            <a:off x="183485" y="186454"/>
-            <a:ext cx="11274425" cy="3033098"/>
-          </a:xfrm>
-        </p:spPr>
-      </p:pic>
-      <p:pic>
-        <p:nvPicPr>
-          <p:cNvPr id="17" name="Picture 16" descr="A screenshot of a video game&#10;&#10;Description automatically generated">
-            <a:extLst>
-              <a:ext uri="{FF2B5EF4-FFF2-40B4-BE49-F238E27FC236}">
-                <a16:creationId xmlns:a16="http://schemas.microsoft.com/office/drawing/2014/main" id="{08427BC9-C4AA-A09D-7CAD-FBD5B86D313B}"/>
-              </a:ext>
-            </a:extLst>
-          </p:cNvPr>
-          <p:cNvPicPr>
-            <a:picLocks noChangeAspect="1"/>
-          </p:cNvPicPr>
-          <p:nvPr/>
-        </p:nvPicPr>
-        <p:blipFill>
-          <a:blip r:embed="rId3">
-            <a:extLst>
-              <a:ext uri="{28A0092B-C50C-407E-A947-70E740481C1C}">
-                <a14:useLocalDpi xmlns:a14="http://schemas.microsoft.com/office/drawing/2010/main" val="0"/>
-              </a:ext>
-            </a:extLst>
-          </a:blip>
-          <a:stretch>
-            <a:fillRect/>
-          </a:stretch>
-        </p:blipFill>
-        <p:spPr>
-          <a:xfrm>
-            <a:off x="183485" y="3429001"/>
-            <a:ext cx="11274425" cy="3345426"/>
-          </a:xfrm>
-          <a:prstGeom prst="rect">
-            <a:avLst/>
-          </a:prstGeom>
-        </p:spPr>
-      </p:pic>
-    </p:spTree>
-    <p:extLst>
-      <p:ext uri="{BB962C8B-B14F-4D97-AF65-F5344CB8AC3E}">
-        <p14:creationId xmlns:p14="http://schemas.microsoft.com/office/powerpoint/2010/main" val="3235828452"/>
-      </p:ext>
-    </p:extLst>
-  </p:cSld>
-  <p:clrMapOvr>
-    <a:masterClrMapping/>
-  </p:clrMapOvr>
-</p:sld>
-</file>
-
-<file path=ppt/slides/slide7.xml><?xml version="1.0" encoding="utf-8"?>
-<p:sld xmlns:a="http://schemas.openxmlformats.org/drawingml/2006/main" xmlns:r="http://schemas.openxmlformats.org/officeDocument/2006/relationships" xmlns:p="http://schemas.openxmlformats.org/presentationml/2006/main">
-  <p:cSld>
-    <p:spTree>
-      <p:nvGrpSpPr>
-        <p:cNvPr id="1" name=""/>
-        <p:cNvGrpSpPr/>
-        <p:nvPr/>
-      </p:nvGrpSpPr>
-      <p:grpSpPr>
-        <a:xfrm>
-          <a:off x="0" y="0"/>
-          <a:ext cx="0" cy="0"/>
-          <a:chOff x="0" y="0"/>
-          <a:chExt cx="0" cy="0"/>
-        </a:xfrm>
-      </p:grpSpPr>
-      <p:pic>
-        <p:nvPicPr>
-          <p:cNvPr id="7" name="Picture 6" descr="A cartoon character on a yellow background&#10;&#10;Description automatically generated">
-            <a:extLst>
-              <a:ext uri="{FF2B5EF4-FFF2-40B4-BE49-F238E27FC236}">
-                <a16:creationId xmlns:a16="http://schemas.microsoft.com/office/drawing/2014/main" id="{26FF27C0-276F-3ED9-A478-EC1A889A1CC1}"/>
-              </a:ext>
-            </a:extLst>
-          </p:cNvPr>
-          <p:cNvPicPr>
-            <a:picLocks noChangeAspect="1"/>
-          </p:cNvPicPr>
-          <p:nvPr/>
-        </p:nvPicPr>
-        <p:blipFill>
-          <a:blip r:embed="rId2">
-            <a:extLst>
-              <a:ext uri="{28A0092B-C50C-407E-A947-70E740481C1C}">
-                <a14:useLocalDpi xmlns:a14="http://schemas.microsoft.com/office/drawing/2010/main" val="0"/>
-              </a:ext>
-            </a:extLst>
-          </a:blip>
-          <a:stretch>
-            <a:fillRect/>
-          </a:stretch>
-        </p:blipFill>
-        <p:spPr>
-          <a:xfrm>
-            <a:off x="245807" y="374514"/>
-            <a:ext cx="11203510" cy="6108971"/>
-          </a:xfrm>
-          <a:prstGeom prst="rect">
-            <a:avLst/>
-          </a:prstGeom>
-        </p:spPr>
-      </p:pic>
-    </p:spTree>
-    <p:extLst>
-      <p:ext uri="{BB962C8B-B14F-4D97-AF65-F5344CB8AC3E}">
-        <p14:creationId xmlns:p14="http://schemas.microsoft.com/office/powerpoint/2010/main" val="326149959"/>
-      </p:ext>
-    </p:extLst>
-  </p:cSld>
-  <p:clrMapOvr>
-    <a:masterClrMapping/>
-  </p:clrMapOvr>
-</p:sld>
-</file>
-
-<file path=ppt/slides/slide8.xml><?xml version="1.0" encoding="utf-8"?>
-<p:sld xmlns:a="http://schemas.openxmlformats.org/drawingml/2006/main" xmlns:r="http://schemas.openxmlformats.org/officeDocument/2006/relationships" xmlns:p="http://schemas.openxmlformats.org/presentationml/2006/main">
-  <p:cSld>
-    <p:spTree>
-      <p:nvGrpSpPr>
-        <p:cNvPr id="1" name=""/>
-        <p:cNvGrpSpPr/>
-        <p:nvPr/>
-      </p:nvGrpSpPr>
-      <p:grpSpPr>
-        <a:xfrm>
-          <a:off x="0" y="0"/>
-          <a:ext cx="0" cy="0"/>
-          <a:chOff x="0" y="0"/>
-          <a:chExt cx="0" cy="0"/>
-        </a:xfrm>
-      </p:grpSpPr>
-      <p:pic>
-        <p:nvPicPr>
-          <p:cNvPr id="3" name="Picture 2" descr="A screenshot of a computer&#10;&#10;Description automatically generated">
-            <a:extLst>
-              <a:ext uri="{FF2B5EF4-FFF2-40B4-BE49-F238E27FC236}">
-                <a16:creationId xmlns:a16="http://schemas.microsoft.com/office/drawing/2014/main" id="{57AFACCA-BD71-11B3-B30F-E4E5C021A9AC}"/>
-              </a:ext>
-            </a:extLst>
-          </p:cNvPr>
-          <p:cNvPicPr>
-            <a:picLocks noChangeAspect="1"/>
-          </p:cNvPicPr>
-          <p:nvPr/>
-        </p:nvPicPr>
-        <p:blipFill>
-          <a:blip r:embed="rId2">
-            <a:extLst>
-              <a:ext uri="{28A0092B-C50C-407E-A947-70E740481C1C}">
-                <a14:useLocalDpi xmlns:a14="http://schemas.microsoft.com/office/drawing/2010/main" val="0"/>
-              </a:ext>
-            </a:extLst>
-          </a:blip>
-          <a:stretch>
-            <a:fillRect/>
-          </a:stretch>
-        </p:blipFill>
-        <p:spPr>
-          <a:xfrm>
-            <a:off x="3291211" y="447260"/>
-            <a:ext cx="5609578" cy="6102627"/>
-          </a:xfrm>
-          <a:prstGeom prst="rect">
-            <a:avLst/>
-          </a:prstGeom>
-        </p:spPr>
-      </p:pic>
-    </p:spTree>
-    <p:extLst>
-      <p:ext uri="{BB962C8B-B14F-4D97-AF65-F5344CB8AC3E}">
-        <p14:creationId xmlns:p14="http://schemas.microsoft.com/office/powerpoint/2010/main" val="3691004504"/>
-      </p:ext>
-    </p:extLst>
-  </p:cSld>
-  <p:clrMapOvr>
-    <a:masterClrMapping/>
-  </p:clrMapOvr>
-</p:sld>
-</file>
-
 <file path=ppt/slides/slide9.xml><?xml version="1.0" encoding="utf-8"?>
 <p:sld xmlns:a="http://schemas.openxmlformats.org/drawingml/2006/main" xmlns:r="http://schemas.openxmlformats.org/officeDocument/2006/relationships" xmlns:p="http://schemas.openxmlformats.org/presentationml/2006/main">
   <p:cSld>
@@ -15378,12 +14726,132 @@
           <a:chExt cx="0" cy="0"/>
         </a:xfrm>
       </p:grpSpPr>
+      <p:sp>
+        <p:nvSpPr>
+          <p:cNvPr id="7" name="Rectangle 6">
+            <a:extLst>
+              <a:ext uri="{FF2B5EF4-FFF2-40B4-BE49-F238E27FC236}">
+                <a16:creationId xmlns:a16="http://schemas.microsoft.com/office/drawing/2014/main" id="{0BABF38A-8A0D-492E-BD20-6CF4D46B50BD}"/>
+              </a:ext>
+              <a:ext uri="{C183D7F6-B498-43B3-948B-1728B52AA6E4}">
+                <adec:decorative xmlns:adec="http://schemas.microsoft.com/office/drawing/2017/decorative" val="1"/>
+              </a:ext>
+            </a:extLst>
+          </p:cNvPr>
+          <p:cNvSpPr>
+            <a:spLocks noGrp="1" noRot="1" noChangeAspect="1" noMove="1" noResize="1" noEditPoints="1" noAdjustHandles="1" noChangeArrowheads="1" noChangeShapeType="1" noTextEdit="1"/>
+          </p:cNvSpPr>
+          <p:nvPr>
+            <p:extLst>
+              <p:ext uri="{386F3935-93C4-4BCD-93E2-E3B085C9AB24}">
+                <p16:designElem xmlns:p16="http://schemas.microsoft.com/office/powerpoint/2015/main" val="1"/>
+              </p:ext>
+            </p:extLst>
+          </p:nvPr>
+        </p:nvSpPr>
+        <p:spPr>
+          <a:xfrm>
+            <a:off x="0" y="0"/>
+            <a:ext cx="12192000" cy="6858004"/>
+          </a:xfrm>
+          <a:prstGeom prst="rect">
+            <a:avLst/>
+          </a:prstGeom>
+          <a:solidFill>
+            <a:schemeClr val="bg2">
+              <a:lumMod val="90000"/>
+              <a:alpha val="70000"/>
+            </a:schemeClr>
+          </a:solidFill>
+          <a:ln>
+            <a:noFill/>
+          </a:ln>
+        </p:spPr>
+        <p:style>
+          <a:lnRef idx="2">
+            <a:schemeClr val="accent1">
+              <a:shade val="50000"/>
+            </a:schemeClr>
+          </a:lnRef>
+          <a:fillRef idx="1">
+            <a:schemeClr val="accent1"/>
+          </a:fillRef>
+          <a:effectRef idx="0">
+            <a:schemeClr val="accent1"/>
+          </a:effectRef>
+          <a:fontRef idx="minor">
+            <a:schemeClr val="lt1"/>
+          </a:fontRef>
+        </p:style>
+        <p:txBody>
+          <a:bodyPr rtlCol="0" anchor="ctr"/>
+          <a:lstStyle/>
+          <a:p>
+            <a:pPr algn="ctr"/>
+            <a:endParaRPr lang="en-US" dirty="0">
+              <a:solidFill>
+                <a:schemeClr val="tx1">
+                  <a:lumMod val="65000"/>
+                  <a:lumOff val="35000"/>
+                </a:schemeClr>
+              </a:solidFill>
+              <a:latin typeface="AvenirNext LT Pro Medium" panose="020B0504020202020204" pitchFamily="34" charset="0"/>
+            </a:endParaRPr>
+          </a:p>
+        </p:txBody>
+      </p:sp>
+      <p:pic>
+        <p:nvPicPr>
+          <p:cNvPr id="9" name="Picture 8">
+            <a:extLst>
+              <a:ext uri="{FF2B5EF4-FFF2-40B4-BE49-F238E27FC236}">
+                <a16:creationId xmlns:a16="http://schemas.microsoft.com/office/drawing/2014/main" id="{BC526B7A-4801-4FD1-95C8-03AF22629E87}"/>
+              </a:ext>
+              <a:ext uri="{C183D7F6-B498-43B3-948B-1728B52AA6E4}">
+                <adec:decorative xmlns:adec="http://schemas.microsoft.com/office/drawing/2017/decorative" val="1"/>
+              </a:ext>
+            </a:extLst>
+          </p:cNvPr>
+          <p:cNvPicPr>
+            <a:picLocks noGrp="1" noRot="1" noChangeAspect="1" noMove="1" noResize="1" noEditPoints="1" noAdjustHandles="1" noChangeArrowheads="1" noChangeShapeType="1" noCrop="1"/>
+          </p:cNvPicPr>
+          <p:nvPr>
+            <p:extLst>
+              <p:ext uri="{386F3935-93C4-4BCD-93E2-E3B085C9AB24}">
+                <p16:designElem xmlns:p16="http://schemas.microsoft.com/office/powerpoint/2015/main" val="1"/>
+              </p:ext>
+            </p:extLst>
+          </p:nvPr>
+        </p:nvPicPr>
+        <p:blipFill>
+          <a:blip r:embed="rId2">
+            <a:alphaModFix amt="10000"/>
+            <a:extLst>
+              <a:ext uri="{28A0092B-C50C-407E-A947-70E740481C1C}">
+                <a14:useLocalDpi xmlns:a14="http://schemas.microsoft.com/office/drawing/2010/main" val="0"/>
+              </a:ext>
+            </a:extLst>
+          </a:blip>
+          <a:stretch>
+            <a:fillRect/>
+          </a:stretch>
+        </p:blipFill>
+        <p:spPr>
+          <a:xfrm>
+            <a:off x="8534400" y="0"/>
+            <a:ext cx="3654612" cy="4575348"/>
+          </a:xfrm>
+          <a:prstGeom prst="rect">
+            <a:avLst/>
+          </a:prstGeom>
+        </p:spPr>
+      </p:pic>
       <p:sp useBgFill="1">
         <p:nvSpPr>
-          <p:cNvPr id="24" name="Rectangle 23">
+          <p:cNvPr id="11" name="Rectangle 10">
             <a:extLst>
               <a:ext uri="{FF2B5EF4-FFF2-40B4-BE49-F238E27FC236}">
-                <a16:creationId xmlns:a16="http://schemas.microsoft.com/office/drawing/2014/main" id="{8651CFA9-6065-4243-AC48-858E359780B1}"/>
+                <a16:creationId xmlns:a16="http://schemas.microsoft.com/office/drawing/2014/main" id="{4E7CE7A7-0AFD-439B-9765-E708254D9D2D}"/>
               </a:ext>
               <a:ext uri="{C183D7F6-B498-43B3-948B-1728B52AA6E4}">
                 <adec:decorative xmlns:adec="http://schemas.microsoft.com/office/drawing/2017/decorative" val="1"/>
@@ -15448,10 +14916,10 @@
       </p:sp>
       <p:sp>
         <p:nvSpPr>
-          <p:cNvPr id="25" name="Rectangle 24">
+          <p:cNvPr id="13" name="Rectangle 12">
             <a:extLst>
               <a:ext uri="{FF2B5EF4-FFF2-40B4-BE49-F238E27FC236}">
-                <a16:creationId xmlns:a16="http://schemas.microsoft.com/office/drawing/2014/main" id="{5A8C81AE-8F0D-49F3-9FB4-334B0DCDF195}"/>
+                <a16:creationId xmlns:a16="http://schemas.microsoft.com/office/drawing/2014/main" id="{239CFBC2-8561-4BBF-BDDE-CF7908C98DFC}"/>
               </a:ext>
               <a:ext uri="{C183D7F6-B498-43B3-948B-1728B52AA6E4}">
                 <adec:decorative xmlns:adec="http://schemas.microsoft.com/office/drawing/2017/decorative" val="1"/>
@@ -15471,17 +14939,14 @@
         </p:nvSpPr>
         <p:spPr>
           <a:xfrm>
-            <a:off x="3048" y="0"/>
+            <a:off x="0" y="0"/>
             <a:ext cx="12188952" cy="6858000"/>
           </a:xfrm>
           <a:prstGeom prst="rect">
             <a:avLst/>
           </a:prstGeom>
           <a:solidFill>
-            <a:schemeClr val="bg2">
-              <a:lumMod val="90000"/>
-              <a:alpha val="70000"/>
-            </a:schemeClr>
+            <a:schemeClr val="accent1"/>
           </a:solidFill>
           <a:ln>
             <a:noFill/>
@@ -15508,7 +14973,7 @@
           <a:lstStyle/>
           <a:p>
             <a:pPr algn="ctr"/>
-            <a:endParaRPr lang="en-US">
+            <a:endParaRPr lang="en-US" dirty="0">
               <a:solidFill>
                 <a:schemeClr val="tx1">
                   <a:lumMod val="65000"/>
@@ -15520,48 +14985,12 @@
           </a:p>
         </p:txBody>
       </p:sp>
-      <p:pic>
-        <p:nvPicPr>
-          <p:cNvPr id="5" name="Content Placeholder 4" descr="A screenshot of a computer&#10;&#10;Description automatically generated">
+      <p:grpSp>
+        <p:nvGrpSpPr>
+          <p:cNvPr id="15" name="Group 14">
             <a:extLst>
               <a:ext uri="{FF2B5EF4-FFF2-40B4-BE49-F238E27FC236}">
-                <a16:creationId xmlns:a16="http://schemas.microsoft.com/office/drawing/2014/main" id="{9F82E701-84CE-1BAB-857F-D65CA0DC12E6}"/>
-              </a:ext>
-            </a:extLst>
-          </p:cNvPr>
-          <p:cNvPicPr>
-            <a:picLocks noChangeAspect="1"/>
-          </p:cNvPicPr>
-          <p:nvPr/>
-        </p:nvPicPr>
-        <p:blipFill>
-          <a:blip r:embed="rId2">
-            <a:extLst>
-              <a:ext uri="{28A0092B-C50C-407E-A947-70E740481C1C}">
-                <a14:useLocalDpi xmlns:a14="http://schemas.microsoft.com/office/drawing/2010/main" val="0"/>
-              </a:ext>
-            </a:extLst>
-          </a:blip>
-          <a:stretch>
-            <a:fillRect/>
-          </a:stretch>
-        </p:blipFill>
-        <p:spPr>
-          <a:xfrm>
-            <a:off x="838201" y="587440"/>
-            <a:ext cx="5179236" cy="2524877"/>
-          </a:xfrm>
-          <a:prstGeom prst="rect">
-            <a:avLst/>
-          </a:prstGeom>
-        </p:spPr>
-      </p:pic>
-      <p:grpSp>
-        <p:nvGrpSpPr>
-          <p:cNvPr id="26" name="Group 25">
-            <a:extLst>
-              <a:ext uri="{FF2B5EF4-FFF2-40B4-BE49-F238E27FC236}">
-                <a16:creationId xmlns:a16="http://schemas.microsoft.com/office/drawing/2014/main" id="{8FCE3762-4AEF-4484-94B2-6974B6BF2259}"/>
+                <a16:creationId xmlns:a16="http://schemas.microsoft.com/office/drawing/2014/main" id="{2AAC8F43-3BD7-44FC-843A-972922AF2BC0}"/>
               </a:ext>
               <a:ext uri="{C183D7F6-B498-43B3-948B-1728B52AA6E4}">
                 <adec:decorative xmlns:adec="http://schemas.microsoft.com/office/drawing/2017/decorative" val="1"/>
@@ -15580,19 +15009,19 @@
           </p:nvPr>
         </p:nvGrpSpPr>
         <p:grpSpPr>
-          <a:xfrm flipV="1">
-            <a:off x="8167025" y="76200"/>
-            <a:ext cx="3997615" cy="6816079"/>
-            <a:chOff x="8059620" y="41922"/>
-            <a:chExt cx="3997615" cy="6816077"/>
+          <a:xfrm>
+            <a:off x="4464881" y="0"/>
+            <a:ext cx="7724071" cy="6858000"/>
+            <a:chOff x="4464881" y="0"/>
+            <a:chExt cx="7724071" cy="6858000"/>
           </a:xfrm>
         </p:grpSpPr>
         <p:pic>
           <p:nvPicPr>
-            <p:cNvPr id="19" name="Picture 18">
+            <p:cNvPr id="16" name="Picture 15">
               <a:extLst>
                 <a:ext uri="{FF2B5EF4-FFF2-40B4-BE49-F238E27FC236}">
-                  <a16:creationId xmlns:a16="http://schemas.microsoft.com/office/drawing/2014/main" id="{EC6958F1-1615-4547-BCAB-3D2B0DF74AAD}"/>
+                  <a16:creationId xmlns:a16="http://schemas.microsoft.com/office/drawing/2014/main" id="{1DE643C6-923A-4762-9462-D589A0AED50B}"/>
                 </a:ext>
                 <a:ext uri="{C183D7F6-B498-43B3-948B-1728B52AA6E4}">
                   <adec:decorative xmlns:adec="http://schemas.microsoft.com/office/drawing/2017/decorative" val="1"/>
@@ -15610,29 +15039,23 @@
               </p:extLst>
             </p:nvPr>
           </p:nvPicPr>
-          <p:blipFill rotWithShape="1">
+          <p:blipFill>
             <a:blip r:embed="rId3">
-              <a:duotone>
-                <a:schemeClr val="accent6">
-                  <a:shade val="45000"/>
-                  <a:satMod val="135000"/>
-                </a:schemeClr>
-                <a:prstClr val="white"/>
-              </a:duotone>
-              <a:alphaModFix amt="7000"/>
+              <a:alphaModFix amt="25000"/>
               <a:extLst>
                 <a:ext uri="{28A0092B-C50C-407E-A947-70E740481C1C}">
                   <a14:useLocalDpi xmlns:a14="http://schemas.microsoft.com/office/drawing/2010/main" val="0"/>
                 </a:ext>
               </a:extLst>
             </a:blip>
-            <a:srcRect l="22818" b="17291"/>
-            <a:stretch/>
+            <a:stretch>
+              <a:fillRect/>
+            </a:stretch>
           </p:blipFill>
           <p:spPr>
-            <a:xfrm flipH="1">
-              <a:off x="8059620" y="1345934"/>
-              <a:ext cx="3997615" cy="5512065"/>
+            <a:xfrm>
+              <a:off x="7073255" y="0"/>
+              <a:ext cx="5115697" cy="6858000"/>
             </a:xfrm>
             <a:prstGeom prst="rect">
               <a:avLst/>
@@ -15641,10 +15064,10 @@
         </p:pic>
         <p:pic>
           <p:nvPicPr>
-            <p:cNvPr id="27" name="Picture 26">
+            <p:cNvPr id="17" name="Picture 16">
               <a:extLst>
                 <a:ext uri="{FF2B5EF4-FFF2-40B4-BE49-F238E27FC236}">
-                  <a16:creationId xmlns:a16="http://schemas.microsoft.com/office/drawing/2014/main" id="{E52211D9-2E06-4B31-9BB6-3A5CE1DA963C}"/>
+                  <a16:creationId xmlns:a16="http://schemas.microsoft.com/office/drawing/2014/main" id="{51AB708F-73DA-4CC8-89B1-8EB70ABB3AEC}"/>
                 </a:ext>
                 <a:ext uri="{C183D7F6-B498-43B3-948B-1728B52AA6E4}">
                   <adec:decorative xmlns:adec="http://schemas.microsoft.com/office/drawing/2017/decorative" val="1"/>
@@ -15662,111 +15085,77 @@
               </p:extLst>
             </p:nvPr>
           </p:nvPicPr>
-          <p:blipFill rotWithShape="1">
-            <a:blip r:embed="rId3">
-              <a:duotone>
-                <a:schemeClr val="accent6">
-                  <a:shade val="45000"/>
-                  <a:satMod val="135000"/>
-                </a:schemeClr>
-                <a:prstClr val="white"/>
-              </a:duotone>
-              <a:alphaModFix amt="15000"/>
+          <p:blipFill>
+            <a:blip r:embed="rId4">
+              <a:alphaModFix amt="10000"/>
               <a:extLst>
                 <a:ext uri="{28A0092B-C50C-407E-A947-70E740481C1C}">
                   <a14:useLocalDpi xmlns:a14="http://schemas.microsoft.com/office/drawing/2010/main" val="0"/>
                 </a:ext>
               </a:extLst>
             </a:blip>
-            <a:srcRect r="40690"/>
-            <a:stretch/>
+            <a:stretch>
+              <a:fillRect/>
+            </a:stretch>
           </p:blipFill>
           <p:spPr>
-            <a:xfrm>
-              <a:off x="8915400" y="41922"/>
-              <a:ext cx="3141835" cy="6816077"/>
+            <a:xfrm rot="16200000">
+              <a:off x="5412135" y="-947254"/>
+              <a:ext cx="5562598" cy="7457106"/>
             </a:xfrm>
             <a:prstGeom prst="rect">
               <a:avLst/>
             </a:prstGeom>
+            <a:effectLst>
+              <a:softEdge rad="0"/>
+            </a:effectLst>
           </p:spPr>
         </p:pic>
       </p:grpSp>
-      <p:pic>
-        <p:nvPicPr>
-          <p:cNvPr id="7" name="Picture 6" descr="A screen shot of a computer&#10;&#10;Description automatically generated">
+      <p:sp>
+        <p:nvSpPr>
+          <p:cNvPr id="2" name="Title 1">
             <a:extLst>
               <a:ext uri="{FF2B5EF4-FFF2-40B4-BE49-F238E27FC236}">
-                <a16:creationId xmlns:a16="http://schemas.microsoft.com/office/drawing/2014/main" id="{7AA089F9-5B1C-077C-6B4E-E49011195FB6}"/>
+                <a16:creationId xmlns:a16="http://schemas.microsoft.com/office/drawing/2014/main" id="{6BACCF61-0144-9BE9-6D50-9C3B5CD6A42A}"/>
               </a:ext>
             </a:extLst>
           </p:cNvPr>
-          <p:cNvPicPr>
-            <a:picLocks noChangeAspect="1"/>
-          </p:cNvPicPr>
-          <p:nvPr/>
-        </p:nvPicPr>
-        <p:blipFill>
-          <a:blip r:embed="rId4">
-            <a:extLst>
-              <a:ext uri="{28A0092B-C50C-407E-A947-70E740481C1C}">
-                <a14:useLocalDpi xmlns:a14="http://schemas.microsoft.com/office/drawing/2010/main" val="0"/>
-              </a:ext>
-            </a:extLst>
-          </a:blip>
-          <a:stretch>
-            <a:fillRect/>
-          </a:stretch>
-        </p:blipFill>
+          <p:cNvSpPr>
+            <a:spLocks noGrp="1"/>
+          </p:cNvSpPr>
+          <p:nvPr>
+            <p:ph type="title"/>
+          </p:nvPr>
+        </p:nvSpPr>
         <p:spPr>
           <a:xfrm>
-            <a:off x="6190656" y="1286637"/>
-            <a:ext cx="5179236" cy="1126484"/>
-          </a:xfrm>
-          <a:prstGeom prst="rect">
-            <a:avLst/>
-          </a:prstGeom>
-        </p:spPr>
-      </p:pic>
-      <p:pic>
-        <p:nvPicPr>
-          <p:cNvPr id="9" name="Content Placeholder 8" descr="A cartoon character with flowers&#10;&#10;Description automatically generated">
-            <a:extLst>
-              <a:ext uri="{FF2B5EF4-FFF2-40B4-BE49-F238E27FC236}">
-                <a16:creationId xmlns:a16="http://schemas.microsoft.com/office/drawing/2014/main" id="{7224932C-DE3A-A927-FEF0-F0760424C5D5}"/>
-              </a:ext>
-            </a:extLst>
-          </p:cNvPr>
-          <p:cNvPicPr>
-            <a:picLocks noGrp="1" noChangeAspect="1"/>
-          </p:cNvPicPr>
-          <p:nvPr>
-            <p:ph idx="1"/>
-          </p:nvPr>
-        </p:nvPicPr>
-        <p:blipFill>
-          <a:blip r:embed="rId5">
-            <a:extLst>
-              <a:ext uri="{28A0092B-C50C-407E-A947-70E740481C1C}">
-                <a14:useLocalDpi xmlns:a14="http://schemas.microsoft.com/office/drawing/2010/main" val="0"/>
-              </a:ext>
-            </a:extLst>
-          </a:blip>
-          <a:stretch>
-            <a:fillRect/>
-          </a:stretch>
-        </p:blipFill>
-        <p:spPr>
-          <a:xfrm>
-            <a:off x="5943599" y="3657600"/>
-            <a:ext cx="4899991" cy="2941983"/>
+            <a:off x="2593848" y="1295400"/>
+            <a:ext cx="7010400" cy="2604928"/>
           </a:xfrm>
         </p:spPr>
-      </p:pic>
+        <p:txBody>
+          <a:bodyPr vert="horz" lIns="91440" tIns="45720" rIns="91440" bIns="45720" rtlCol="0" anchor="b">
+            <a:normAutofit/>
+          </a:bodyPr>
+          <a:lstStyle/>
+          <a:p>
+            <a:pPr algn="ctr"/>
+            <a:r>
+              <a:rPr lang="en-US" sz="5200">
+                <a:solidFill>
+                  <a:srgbClr val="FFFFFF"/>
+                </a:solidFill>
+              </a:rPr>
+              <a:t>THANK YOU!</a:t>
+            </a:r>
+          </a:p>
+        </p:txBody>
+      </p:sp>
     </p:spTree>
     <p:extLst>
       <p:ext uri="{BB962C8B-B14F-4D97-AF65-F5344CB8AC3E}">
-        <p14:creationId xmlns:p14="http://schemas.microsoft.com/office/powerpoint/2010/main" val="2685949468"/>
+        <p14:creationId xmlns:p14="http://schemas.microsoft.com/office/powerpoint/2010/main" val="4001551340"/>
       </p:ext>
     </p:extLst>
   </p:cSld>
